--- a/Sistema de Informacion/Prototipo.pptx
+++ b/Sistema de Informacion/Prototipo.pptx
@@ -114,6 +114,11 @@
       </a:defRPr>
     </a:lvl9pPr>
   </p:defaultTextStyle>
+  <p:extLst>
+    <p:ext uri="{EFAFB233-063F-42B5-8137-9DF3F51BA10A}">
+      <p15:sldGuideLst xmlns:p15="http://schemas.microsoft.com/office/powerpoint/2012/main"/>
+    </p:ext>
+  </p:extLst>
 </p:presentation>
 </file>
 
@@ -199,7 +204,7 @@
           <a:p>
             <a:fld id="{DEEFDFBD-FDA3-434C-8BA9-F940C46F313F}" type="datetimeFigureOut">
               <a:rPr lang="es-ES" smtClean="0"/>
-              <a:t>11/07/2024</a:t>
+              <a:t>30/06/2022</a:t>
             </a:fld>
             <a:endParaRPr lang="es-ES"/>
           </a:p>
@@ -713,7 +718,7 @@
           <a:p>
             <a:fld id="{5ED85047-F0AC-45C9-B1E2-880D42078E4A}" type="datetimeFigureOut">
               <a:rPr lang="es-ES" smtClean="0"/>
-              <a:t>11/07/2024</a:t>
+              <a:t>30/06/2022</a:t>
             </a:fld>
             <a:endParaRPr lang="es-ES"/>
           </a:p>
@@ -883,7 +888,7 @@
           <a:p>
             <a:fld id="{5ED85047-F0AC-45C9-B1E2-880D42078E4A}" type="datetimeFigureOut">
               <a:rPr lang="es-ES" smtClean="0"/>
-              <a:t>11/07/2024</a:t>
+              <a:t>30/06/2022</a:t>
             </a:fld>
             <a:endParaRPr lang="es-ES"/>
           </a:p>
@@ -1063,7 +1068,7 @@
           <a:p>
             <a:fld id="{5ED85047-F0AC-45C9-B1E2-880D42078E4A}" type="datetimeFigureOut">
               <a:rPr lang="es-ES" smtClean="0"/>
-              <a:t>11/07/2024</a:t>
+              <a:t>30/06/2022</a:t>
             </a:fld>
             <a:endParaRPr lang="es-ES"/>
           </a:p>
@@ -1233,7 +1238,7 @@
           <a:p>
             <a:fld id="{5ED85047-F0AC-45C9-B1E2-880D42078E4A}" type="datetimeFigureOut">
               <a:rPr lang="es-ES" smtClean="0"/>
-              <a:t>11/07/2024</a:t>
+              <a:t>30/06/2022</a:t>
             </a:fld>
             <a:endParaRPr lang="es-ES"/>
           </a:p>
@@ -1501,7 +1506,7 @@
           <a:p>
             <a:fld id="{5ED85047-F0AC-45C9-B1E2-880D42078E4A}" type="datetimeFigureOut">
               <a:rPr lang="es-ES" smtClean="0"/>
-              <a:t>11/07/2024</a:t>
+              <a:t>30/06/2022</a:t>
             </a:fld>
             <a:endParaRPr lang="es-ES"/>
           </a:p>
@@ -1733,7 +1738,7 @@
           <a:p>
             <a:fld id="{5ED85047-F0AC-45C9-B1E2-880D42078E4A}" type="datetimeFigureOut">
               <a:rPr lang="es-ES" smtClean="0"/>
-              <a:t>11/07/2024</a:t>
+              <a:t>30/06/2022</a:t>
             </a:fld>
             <a:endParaRPr lang="es-ES"/>
           </a:p>
@@ -2092,7 +2097,7 @@
           <a:p>
             <a:fld id="{5ED85047-F0AC-45C9-B1E2-880D42078E4A}" type="datetimeFigureOut">
               <a:rPr lang="es-ES" smtClean="0"/>
-              <a:t>11/07/2024</a:t>
+              <a:t>30/06/2022</a:t>
             </a:fld>
             <a:endParaRPr lang="es-ES"/>
           </a:p>
@@ -2233,7 +2238,7 @@
           <a:p>
             <a:fld id="{5ED85047-F0AC-45C9-B1E2-880D42078E4A}" type="datetimeFigureOut">
               <a:rPr lang="es-ES" smtClean="0"/>
-              <a:t>11/07/2024</a:t>
+              <a:t>30/06/2022</a:t>
             </a:fld>
             <a:endParaRPr lang="es-ES"/>
           </a:p>
@@ -2328,7 +2333,7 @@
           <a:p>
             <a:fld id="{5ED85047-F0AC-45C9-B1E2-880D42078E4A}" type="datetimeFigureOut">
               <a:rPr lang="es-ES" smtClean="0"/>
-              <a:t>11/07/2024</a:t>
+              <a:t>30/06/2022</a:t>
             </a:fld>
             <a:endParaRPr lang="es-ES"/>
           </a:p>
@@ -2685,7 +2690,7 @@
           <a:p>
             <a:fld id="{5ED85047-F0AC-45C9-B1E2-880D42078E4A}" type="datetimeFigureOut">
               <a:rPr lang="es-ES" smtClean="0"/>
-              <a:t>11/07/2024</a:t>
+              <a:t>30/06/2022</a:t>
             </a:fld>
             <a:endParaRPr lang="es-ES"/>
           </a:p>
@@ -3042,7 +3047,7 @@
           <a:p>
             <a:fld id="{5ED85047-F0AC-45C9-B1E2-880D42078E4A}" type="datetimeFigureOut">
               <a:rPr lang="es-ES" smtClean="0"/>
-              <a:t>11/07/2024</a:t>
+              <a:t>30/06/2022</a:t>
             </a:fld>
             <a:endParaRPr lang="es-ES"/>
           </a:p>
@@ -3284,7 +3289,7 @@
           <a:p>
             <a:fld id="{5ED85047-F0AC-45C9-B1E2-880D42078E4A}" type="datetimeFigureOut">
               <a:rPr lang="es-ES" smtClean="0"/>
-              <a:t>11/07/2024</a:t>
+              <a:t>30/06/2022</a:t>
             </a:fld>
             <a:endParaRPr lang="es-ES"/>
           </a:p>
@@ -4125,46 +4130,6 @@
           </a:p>
         </p:txBody>
       </p:sp>
-      <p:sp>
-        <p:nvSpPr>
-          <p:cNvPr id="12" name="CuadroTexto 11">
-            <a:hlinkClick r:id="rId4" action="ppaction://hlinksldjump"/>
-            <a:extLst>
-              <a:ext uri="{FF2B5EF4-FFF2-40B4-BE49-F238E27FC236}">
-                <a16:creationId xmlns:a16="http://schemas.microsoft.com/office/drawing/2014/main" id="{91392D3E-2BBF-8D04-28BD-4B5077346C34}"/>
-              </a:ext>
-            </a:extLst>
-          </p:cNvPr>
-          <p:cNvSpPr txBox="1"/>
-          <p:nvPr/>
-        </p:nvSpPr>
-        <p:spPr>
-          <a:xfrm>
-            <a:off x="7470843" y="4656497"/>
-            <a:ext cx="1254868" cy="276999"/>
-          </a:xfrm>
-          <a:prstGeom prst="rect">
-            <a:avLst/>
-          </a:prstGeom>
-          <a:noFill/>
-        </p:spPr>
-        <p:txBody>
-          <a:bodyPr wrap="square" rtlCol="0">
-            <a:spAutoFit/>
-          </a:bodyPr>
-          <a:lstStyle/>
-          <a:p>
-            <a:r>
-              <a:rPr lang="es-ES" sz="1200" dirty="0">
-                <a:solidFill>
-                  <a:schemeClr val="bg1"/>
-                </a:solidFill>
-              </a:rPr>
-              <a:t>Registrar Nuevo</a:t>
-            </a:r>
-          </a:p>
-        </p:txBody>
-      </p:sp>
     </p:spTree>
     <p:extLst>
       <p:ext uri="{BB962C8B-B14F-4D97-AF65-F5344CB8AC3E}">
@@ -6147,6 +6112,45 @@
                 </a:solidFill>
               </a:rPr>
               <a:t>Acción Realizada</a:t>
+            </a:r>
+          </a:p>
+        </p:txBody>
+      </p:sp>
+      <p:sp>
+        <p:nvSpPr>
+          <p:cNvPr id="2" name="CuadroTexto 1">
+            <a:extLst>
+              <a:ext uri="{FF2B5EF4-FFF2-40B4-BE49-F238E27FC236}">
+                <a16:creationId xmlns:a16="http://schemas.microsoft.com/office/drawing/2014/main" id="{CA072C59-D0B3-0A30-B845-BEC6240752A3}"/>
+              </a:ext>
+            </a:extLst>
+          </p:cNvPr>
+          <p:cNvSpPr txBox="1"/>
+          <p:nvPr/>
+        </p:nvSpPr>
+        <p:spPr>
+          <a:xfrm>
+            <a:off x="2876151" y="2483867"/>
+            <a:ext cx="1371012" cy="276999"/>
+          </a:xfrm>
+          <a:prstGeom prst="rect">
+            <a:avLst/>
+          </a:prstGeom>
+          <a:noFill/>
+        </p:spPr>
+        <p:txBody>
+          <a:bodyPr wrap="square" rtlCol="0">
+            <a:spAutoFit/>
+          </a:bodyPr>
+          <a:lstStyle/>
+          <a:p>
+            <a:r>
+              <a:rPr lang="es-ES" sz="1200" dirty="0">
+                <a:solidFill>
+                  <a:schemeClr val="bg1"/>
+                </a:solidFill>
+              </a:rPr>
+              <a:t>CI:</a:t>
             </a:r>
           </a:p>
         </p:txBody>
@@ -6654,461 +6658,6 @@
       </p:sp>
       <p:sp>
         <p:nvSpPr>
-          <p:cNvPr id="8" name="CuadroTexto 7">
-            <a:extLst>
-              <a:ext uri="{FF2B5EF4-FFF2-40B4-BE49-F238E27FC236}">
-                <a16:creationId xmlns:a16="http://schemas.microsoft.com/office/drawing/2014/main" id="{BE45793C-F142-4B68-376B-6F777C7DCF3D}"/>
-              </a:ext>
-            </a:extLst>
-          </p:cNvPr>
-          <p:cNvSpPr txBox="1"/>
-          <p:nvPr/>
-        </p:nvSpPr>
-        <p:spPr>
-          <a:xfrm>
-            <a:off x="5165975" y="2559797"/>
-            <a:ext cx="1371012" cy="369332"/>
-          </a:xfrm>
-          <a:prstGeom prst="rect">
-            <a:avLst/>
-          </a:prstGeom>
-          <a:noFill/>
-        </p:spPr>
-        <p:txBody>
-          <a:bodyPr wrap="square" rtlCol="0">
-            <a:spAutoFit/>
-          </a:bodyPr>
-          <a:lstStyle/>
-          <a:p>
-            <a:r>
-              <a:rPr lang="es-ES" dirty="0">
-                <a:solidFill>
-                  <a:schemeClr val="bg1"/>
-                </a:solidFill>
-              </a:rPr>
-              <a:t>ID Historial:</a:t>
-            </a:r>
-          </a:p>
-        </p:txBody>
-      </p:sp>
-      <p:sp>
-        <p:nvSpPr>
-          <p:cNvPr id="9" name="CuadroTexto 8">
-            <a:extLst>
-              <a:ext uri="{FF2B5EF4-FFF2-40B4-BE49-F238E27FC236}">
-                <a16:creationId xmlns:a16="http://schemas.microsoft.com/office/drawing/2014/main" id="{B3490407-C7FC-9937-1D16-2B2E53BEC23F}"/>
-              </a:ext>
-            </a:extLst>
-          </p:cNvPr>
-          <p:cNvSpPr txBox="1"/>
-          <p:nvPr/>
-        </p:nvSpPr>
-        <p:spPr>
-          <a:xfrm>
-            <a:off x="5165975" y="2973148"/>
-            <a:ext cx="1371012" cy="369332"/>
-          </a:xfrm>
-          <a:prstGeom prst="rect">
-            <a:avLst/>
-          </a:prstGeom>
-          <a:noFill/>
-        </p:spPr>
-        <p:txBody>
-          <a:bodyPr wrap="square" rtlCol="0">
-            <a:spAutoFit/>
-          </a:bodyPr>
-          <a:lstStyle/>
-          <a:p>
-            <a:r>
-              <a:rPr lang="es-ES" dirty="0">
-                <a:solidFill>
-                  <a:schemeClr val="bg1"/>
-                </a:solidFill>
-              </a:rPr>
-              <a:t>Fecha:</a:t>
-            </a:r>
-          </a:p>
-        </p:txBody>
-      </p:sp>
-      <p:sp>
-        <p:nvSpPr>
-          <p:cNvPr id="10" name="CuadroTexto 9">
-            <a:extLst>
-              <a:ext uri="{FF2B5EF4-FFF2-40B4-BE49-F238E27FC236}">
-                <a16:creationId xmlns:a16="http://schemas.microsoft.com/office/drawing/2014/main" id="{B11C07FF-41C4-60A6-8FF0-57C991A4271D}"/>
-              </a:ext>
-            </a:extLst>
-          </p:cNvPr>
-          <p:cNvSpPr txBox="1"/>
-          <p:nvPr/>
-        </p:nvSpPr>
-        <p:spPr>
-          <a:xfrm>
-            <a:off x="5165975" y="3386499"/>
-            <a:ext cx="1371012" cy="369332"/>
-          </a:xfrm>
-          <a:prstGeom prst="rect">
-            <a:avLst/>
-          </a:prstGeom>
-          <a:noFill/>
-        </p:spPr>
-        <p:txBody>
-          <a:bodyPr wrap="square" rtlCol="0">
-            <a:spAutoFit/>
-          </a:bodyPr>
-          <a:lstStyle/>
-          <a:p>
-            <a:r>
-              <a:rPr lang="es-ES" dirty="0">
-                <a:solidFill>
-                  <a:schemeClr val="bg1"/>
-                </a:solidFill>
-              </a:rPr>
-              <a:t>Tipo:</a:t>
-            </a:r>
-          </a:p>
-        </p:txBody>
-      </p:sp>
-      <p:sp>
-        <p:nvSpPr>
-          <p:cNvPr id="11" name="CuadroTexto 10">
-            <a:extLst>
-              <a:ext uri="{FF2B5EF4-FFF2-40B4-BE49-F238E27FC236}">
-                <a16:creationId xmlns:a16="http://schemas.microsoft.com/office/drawing/2014/main" id="{4DDD9D70-EC54-C3AF-6A01-4EB447576038}"/>
-              </a:ext>
-            </a:extLst>
-          </p:cNvPr>
-          <p:cNvSpPr txBox="1"/>
-          <p:nvPr/>
-        </p:nvSpPr>
-        <p:spPr>
-          <a:xfrm>
-            <a:off x="5165975" y="3799850"/>
-            <a:ext cx="1371012" cy="369332"/>
-          </a:xfrm>
-          <a:prstGeom prst="rect">
-            <a:avLst/>
-          </a:prstGeom>
-          <a:noFill/>
-        </p:spPr>
-        <p:txBody>
-          <a:bodyPr wrap="square" rtlCol="0">
-            <a:spAutoFit/>
-          </a:bodyPr>
-          <a:lstStyle/>
-          <a:p>
-            <a:r>
-              <a:rPr lang="es-ES" dirty="0">
-                <a:solidFill>
-                  <a:schemeClr val="bg1"/>
-                </a:solidFill>
-              </a:rPr>
-              <a:t>Monto:</a:t>
-            </a:r>
-          </a:p>
-        </p:txBody>
-      </p:sp>
-      <p:sp>
-        <p:nvSpPr>
-          <p:cNvPr id="12" name="CuadroTexto 11">
-            <a:extLst>
-              <a:ext uri="{FF2B5EF4-FFF2-40B4-BE49-F238E27FC236}">
-                <a16:creationId xmlns:a16="http://schemas.microsoft.com/office/drawing/2014/main" id="{B5F1D132-FD9E-DF91-CC50-74A20A255904}"/>
-              </a:ext>
-            </a:extLst>
-          </p:cNvPr>
-          <p:cNvSpPr txBox="1"/>
-          <p:nvPr/>
-        </p:nvSpPr>
-        <p:spPr>
-          <a:xfrm>
-            <a:off x="5165975" y="4213201"/>
-            <a:ext cx="1371012" cy="369332"/>
-          </a:xfrm>
-          <a:prstGeom prst="rect">
-            <a:avLst/>
-          </a:prstGeom>
-          <a:noFill/>
-        </p:spPr>
-        <p:txBody>
-          <a:bodyPr wrap="square" rtlCol="0">
-            <a:spAutoFit/>
-          </a:bodyPr>
-          <a:lstStyle/>
-          <a:p>
-            <a:r>
-              <a:rPr lang="es-ES" dirty="0">
-                <a:solidFill>
-                  <a:schemeClr val="bg1"/>
-                </a:solidFill>
-              </a:rPr>
-              <a:t>Descripción:</a:t>
-            </a:r>
-          </a:p>
-        </p:txBody>
-      </p:sp>
-      <p:sp>
-        <p:nvSpPr>
-          <p:cNvPr id="14" name="Rectángulo: esquinas redondeadas 13">
-            <a:extLst>
-              <a:ext uri="{FF2B5EF4-FFF2-40B4-BE49-F238E27FC236}">
-                <a16:creationId xmlns:a16="http://schemas.microsoft.com/office/drawing/2014/main" id="{0B588989-932E-A58D-F513-7163F67E89CF}"/>
-              </a:ext>
-            </a:extLst>
-          </p:cNvPr>
-          <p:cNvSpPr/>
-          <p:nvPr/>
-        </p:nvSpPr>
-        <p:spPr>
-          <a:xfrm>
-            <a:off x="6536987" y="2559797"/>
-            <a:ext cx="2015248" cy="325376"/>
-          </a:xfrm>
-          <a:prstGeom prst="roundRect">
-            <a:avLst/>
-          </a:prstGeom>
-          <a:solidFill>
-            <a:schemeClr val="bg2">
-              <a:lumMod val="20000"/>
-              <a:lumOff val="80000"/>
-            </a:schemeClr>
-          </a:solidFill>
-        </p:spPr>
-        <p:style>
-          <a:lnRef idx="2">
-            <a:schemeClr val="accent1">
-              <a:shade val="15000"/>
-            </a:schemeClr>
-          </a:lnRef>
-          <a:fillRef idx="1">
-            <a:schemeClr val="accent1"/>
-          </a:fillRef>
-          <a:effectRef idx="0">
-            <a:schemeClr val="accent1"/>
-          </a:effectRef>
-          <a:fontRef idx="minor">
-            <a:schemeClr val="lt1"/>
-          </a:fontRef>
-        </p:style>
-        <p:txBody>
-          <a:bodyPr rtlCol="0" anchor="ctr"/>
-          <a:lstStyle/>
-          <a:p>
-            <a:pPr algn="ctr"/>
-            <a:endParaRPr lang="es-ES"/>
-          </a:p>
-        </p:txBody>
-      </p:sp>
-      <p:sp>
-        <p:nvSpPr>
-          <p:cNvPr id="15" name="Rectángulo: esquinas redondeadas 14">
-            <a:extLst>
-              <a:ext uri="{FF2B5EF4-FFF2-40B4-BE49-F238E27FC236}">
-                <a16:creationId xmlns:a16="http://schemas.microsoft.com/office/drawing/2014/main" id="{AA77F933-0365-A772-F804-EF7BE8A49264}"/>
-              </a:ext>
-            </a:extLst>
-          </p:cNvPr>
-          <p:cNvSpPr/>
-          <p:nvPr/>
-        </p:nvSpPr>
-        <p:spPr>
-          <a:xfrm>
-            <a:off x="6536987" y="2976299"/>
-            <a:ext cx="2015248" cy="325376"/>
-          </a:xfrm>
-          <a:prstGeom prst="roundRect">
-            <a:avLst/>
-          </a:prstGeom>
-          <a:solidFill>
-            <a:schemeClr val="bg2">
-              <a:lumMod val="20000"/>
-              <a:lumOff val="80000"/>
-            </a:schemeClr>
-          </a:solidFill>
-        </p:spPr>
-        <p:style>
-          <a:lnRef idx="2">
-            <a:schemeClr val="accent1">
-              <a:shade val="15000"/>
-            </a:schemeClr>
-          </a:lnRef>
-          <a:fillRef idx="1">
-            <a:schemeClr val="accent1"/>
-          </a:fillRef>
-          <a:effectRef idx="0">
-            <a:schemeClr val="accent1"/>
-          </a:effectRef>
-          <a:fontRef idx="minor">
-            <a:schemeClr val="lt1"/>
-          </a:fontRef>
-        </p:style>
-        <p:txBody>
-          <a:bodyPr rtlCol="0" anchor="ctr"/>
-          <a:lstStyle/>
-          <a:p>
-            <a:pPr algn="ctr"/>
-            <a:endParaRPr lang="es-ES"/>
-          </a:p>
-        </p:txBody>
-      </p:sp>
-      <p:sp>
-        <p:nvSpPr>
-          <p:cNvPr id="16" name="Rectángulo: esquinas redondeadas 15">
-            <a:extLst>
-              <a:ext uri="{FF2B5EF4-FFF2-40B4-BE49-F238E27FC236}">
-                <a16:creationId xmlns:a16="http://schemas.microsoft.com/office/drawing/2014/main" id="{D59231E5-C1E0-43FF-A4D8-43B65420FD26}"/>
-              </a:ext>
-            </a:extLst>
-          </p:cNvPr>
-          <p:cNvSpPr/>
-          <p:nvPr/>
-        </p:nvSpPr>
-        <p:spPr>
-          <a:xfrm>
-            <a:off x="6536987" y="3392801"/>
-            <a:ext cx="2015248" cy="325376"/>
-          </a:xfrm>
-          <a:prstGeom prst="roundRect">
-            <a:avLst/>
-          </a:prstGeom>
-          <a:solidFill>
-            <a:schemeClr val="bg2">
-              <a:lumMod val="20000"/>
-              <a:lumOff val="80000"/>
-            </a:schemeClr>
-          </a:solidFill>
-        </p:spPr>
-        <p:style>
-          <a:lnRef idx="2">
-            <a:schemeClr val="accent1">
-              <a:shade val="15000"/>
-            </a:schemeClr>
-          </a:lnRef>
-          <a:fillRef idx="1">
-            <a:schemeClr val="accent1"/>
-          </a:fillRef>
-          <a:effectRef idx="0">
-            <a:schemeClr val="accent1"/>
-          </a:effectRef>
-          <a:fontRef idx="minor">
-            <a:schemeClr val="lt1"/>
-          </a:fontRef>
-        </p:style>
-        <p:txBody>
-          <a:bodyPr rtlCol="0" anchor="ctr"/>
-          <a:lstStyle/>
-          <a:p>
-            <a:pPr algn="ctr"/>
-            <a:endParaRPr lang="es-ES"/>
-          </a:p>
-        </p:txBody>
-      </p:sp>
-      <p:sp>
-        <p:nvSpPr>
-          <p:cNvPr id="17" name="Rectángulo: esquinas redondeadas 16">
-            <a:extLst>
-              <a:ext uri="{FF2B5EF4-FFF2-40B4-BE49-F238E27FC236}">
-                <a16:creationId xmlns:a16="http://schemas.microsoft.com/office/drawing/2014/main" id="{BB4BA438-C5F1-A8F9-B18B-A407BB1D2DAB}"/>
-              </a:ext>
-            </a:extLst>
-          </p:cNvPr>
-          <p:cNvSpPr/>
-          <p:nvPr/>
-        </p:nvSpPr>
-        <p:spPr>
-          <a:xfrm>
-            <a:off x="6536987" y="3803324"/>
-            <a:ext cx="2015248" cy="325376"/>
-          </a:xfrm>
-          <a:prstGeom prst="roundRect">
-            <a:avLst/>
-          </a:prstGeom>
-          <a:solidFill>
-            <a:schemeClr val="bg2">
-              <a:lumMod val="20000"/>
-              <a:lumOff val="80000"/>
-            </a:schemeClr>
-          </a:solidFill>
-        </p:spPr>
-        <p:style>
-          <a:lnRef idx="2">
-            <a:schemeClr val="accent1">
-              <a:shade val="15000"/>
-            </a:schemeClr>
-          </a:lnRef>
-          <a:fillRef idx="1">
-            <a:schemeClr val="accent1"/>
-          </a:fillRef>
-          <a:effectRef idx="0">
-            <a:schemeClr val="accent1"/>
-          </a:effectRef>
-          <a:fontRef idx="minor">
-            <a:schemeClr val="lt1"/>
-          </a:fontRef>
-        </p:style>
-        <p:txBody>
-          <a:bodyPr rtlCol="0" anchor="ctr"/>
-          <a:lstStyle/>
-          <a:p>
-            <a:pPr algn="ctr"/>
-            <a:endParaRPr lang="es-ES"/>
-          </a:p>
-        </p:txBody>
-      </p:sp>
-      <p:sp>
-        <p:nvSpPr>
-          <p:cNvPr id="18" name="Rectángulo: esquinas redondeadas 17">
-            <a:extLst>
-              <a:ext uri="{FF2B5EF4-FFF2-40B4-BE49-F238E27FC236}">
-                <a16:creationId xmlns:a16="http://schemas.microsoft.com/office/drawing/2014/main" id="{4D874E8C-5951-334C-9CBF-EFB69688D631}"/>
-              </a:ext>
-            </a:extLst>
-          </p:cNvPr>
-          <p:cNvSpPr/>
-          <p:nvPr/>
-        </p:nvSpPr>
-        <p:spPr>
-          <a:xfrm>
-            <a:off x="6536987" y="4213201"/>
-            <a:ext cx="2015248" cy="325376"/>
-          </a:xfrm>
-          <a:prstGeom prst="roundRect">
-            <a:avLst/>
-          </a:prstGeom>
-          <a:solidFill>
-            <a:schemeClr val="bg2">
-              <a:lumMod val="20000"/>
-              <a:lumOff val="80000"/>
-            </a:schemeClr>
-          </a:solidFill>
-        </p:spPr>
-        <p:style>
-          <a:lnRef idx="2">
-            <a:schemeClr val="accent1">
-              <a:shade val="15000"/>
-            </a:schemeClr>
-          </a:lnRef>
-          <a:fillRef idx="1">
-            <a:schemeClr val="accent1"/>
-          </a:fillRef>
-          <a:effectRef idx="0">
-            <a:schemeClr val="accent1"/>
-          </a:effectRef>
-          <a:fontRef idx="minor">
-            <a:schemeClr val="lt1"/>
-          </a:fontRef>
-        </p:style>
-        <p:txBody>
-          <a:bodyPr rtlCol="0" anchor="ctr"/>
-          <a:lstStyle/>
-          <a:p>
-            <a:pPr algn="ctr"/>
-            <a:endParaRPr lang="es-ES"/>
-          </a:p>
-        </p:txBody>
-      </p:sp>
-      <p:sp>
-        <p:nvSpPr>
           <p:cNvPr id="20" name="Rectángulo: esquinas redondeadas 19">
             <a:extLst>
               <a:ext uri="{FF2B5EF4-FFF2-40B4-BE49-F238E27FC236}">
@@ -7272,8 +6821,8 @@
         </p:nvSpPr>
         <p:spPr>
           <a:xfrm>
-            <a:off x="2954486" y="3718177"/>
-            <a:ext cx="1020073" cy="314104"/>
+            <a:off x="5622199" y="2649392"/>
+            <a:ext cx="947601" cy="314104"/>
           </a:xfrm>
           <a:prstGeom prst="roundRect">
             <a:avLst/>
@@ -7305,13 +6854,14 @@
           <a:bodyPr rtlCol="0" anchor="ctr"/>
           <a:lstStyle/>
           <a:p>
+            <a:pPr algn="ctr"/>
             <a:r>
               <a:rPr lang="es-ES" sz="1400" dirty="0">
                 <a:solidFill>
                   <a:srgbClr val="FFFF00"/>
                 </a:solidFill>
               </a:rPr>
-              <a:t>Actualizar</a:t>
+              <a:t>Compras</a:t>
             </a:r>
           </a:p>
         </p:txBody>
@@ -7330,8 +6880,8 @@
         </p:nvSpPr>
         <p:spPr>
           <a:xfrm>
-            <a:off x="2954485" y="4134336"/>
-            <a:ext cx="1020073" cy="314104"/>
+            <a:off x="6887440" y="2642764"/>
+            <a:ext cx="947601" cy="314104"/>
           </a:xfrm>
           <a:prstGeom prst="roundRect">
             <a:avLst/>
@@ -7363,17 +6913,403 @@
           <a:bodyPr rtlCol="0" anchor="ctr"/>
           <a:lstStyle/>
           <a:p>
+            <a:pPr algn="ctr"/>
             <a:r>
               <a:rPr lang="es-ES" sz="1400" dirty="0">
                 <a:solidFill>
                   <a:srgbClr val="FFFF00"/>
                 </a:solidFill>
               </a:rPr>
-              <a:t>Eliminar</a:t>
-            </a:r>
-          </a:p>
-        </p:txBody>
-      </p:sp>
+              <a:t>Ventas</a:t>
+            </a:r>
+          </a:p>
+        </p:txBody>
+      </p:sp>
+      <p:grpSp>
+        <p:nvGrpSpPr>
+          <p:cNvPr id="18" name="Grupo 17">
+            <a:extLst>
+              <a:ext uri="{FF2B5EF4-FFF2-40B4-BE49-F238E27FC236}">
+                <a16:creationId xmlns:a16="http://schemas.microsoft.com/office/drawing/2014/main" id="{F41A45CC-F302-05FD-36D4-E7E84926DAF7}"/>
+              </a:ext>
+            </a:extLst>
+          </p:cNvPr>
+          <p:cNvGrpSpPr/>
+          <p:nvPr/>
+        </p:nvGrpSpPr>
+        <p:grpSpPr>
+          <a:xfrm>
+            <a:off x="5315397" y="3375081"/>
+            <a:ext cx="3386260" cy="1609385"/>
+            <a:chOff x="5264582" y="3170584"/>
+            <a:chExt cx="3386260" cy="1609385"/>
+          </a:xfrm>
+        </p:grpSpPr>
+        <p:sp>
+          <p:nvSpPr>
+            <p:cNvPr id="8" name="CuadroTexto 7">
+              <a:extLst>
+                <a:ext uri="{FF2B5EF4-FFF2-40B4-BE49-F238E27FC236}">
+                  <a16:creationId xmlns:a16="http://schemas.microsoft.com/office/drawing/2014/main" id="{BE45793C-F142-4B68-376B-6F777C7DCF3D}"/>
+                </a:ext>
+              </a:extLst>
+            </p:cNvPr>
+            <p:cNvSpPr txBox="1"/>
+            <p:nvPr/>
+          </p:nvSpPr>
+          <p:spPr>
+            <a:xfrm>
+              <a:off x="5264582" y="3170584"/>
+              <a:ext cx="1371012" cy="369332"/>
+            </a:xfrm>
+            <a:prstGeom prst="rect">
+              <a:avLst/>
+            </a:prstGeom>
+            <a:noFill/>
+          </p:spPr>
+          <p:txBody>
+            <a:bodyPr wrap="square" rtlCol="0">
+              <a:spAutoFit/>
+            </a:bodyPr>
+            <a:lstStyle/>
+            <a:p>
+              <a:r>
+                <a:rPr lang="es-ES" dirty="0">
+                  <a:solidFill>
+                    <a:schemeClr val="bg1"/>
+                  </a:solidFill>
+                </a:rPr>
+                <a:t>ID Historial:</a:t>
+              </a:r>
+            </a:p>
+          </p:txBody>
+        </p:sp>
+        <p:sp>
+          <p:nvSpPr>
+            <p:cNvPr id="9" name="CuadroTexto 8">
+              <a:extLst>
+                <a:ext uri="{FF2B5EF4-FFF2-40B4-BE49-F238E27FC236}">
+                  <a16:creationId xmlns:a16="http://schemas.microsoft.com/office/drawing/2014/main" id="{B3490407-C7FC-9937-1D16-2B2E53BEC23F}"/>
+                </a:ext>
+              </a:extLst>
+            </p:cNvPr>
+            <p:cNvSpPr txBox="1"/>
+            <p:nvPr/>
+          </p:nvSpPr>
+          <p:spPr>
+            <a:xfrm>
+              <a:off x="5264582" y="3583935"/>
+              <a:ext cx="1371012" cy="369332"/>
+            </a:xfrm>
+            <a:prstGeom prst="rect">
+              <a:avLst/>
+            </a:prstGeom>
+            <a:noFill/>
+          </p:spPr>
+          <p:txBody>
+            <a:bodyPr wrap="square" rtlCol="0">
+              <a:spAutoFit/>
+            </a:bodyPr>
+            <a:lstStyle/>
+            <a:p>
+              <a:r>
+                <a:rPr lang="es-ES" dirty="0">
+                  <a:solidFill>
+                    <a:schemeClr val="bg1"/>
+                  </a:solidFill>
+                </a:rPr>
+                <a:t>Fecha:</a:t>
+              </a:r>
+            </a:p>
+          </p:txBody>
+        </p:sp>
+        <p:sp>
+          <p:nvSpPr>
+            <p:cNvPr id="10" name="CuadroTexto 9">
+              <a:extLst>
+                <a:ext uri="{FF2B5EF4-FFF2-40B4-BE49-F238E27FC236}">
+                  <a16:creationId xmlns:a16="http://schemas.microsoft.com/office/drawing/2014/main" id="{B11C07FF-41C4-60A6-8FF0-57C991A4271D}"/>
+                </a:ext>
+              </a:extLst>
+            </p:cNvPr>
+            <p:cNvSpPr txBox="1"/>
+            <p:nvPr/>
+          </p:nvSpPr>
+          <p:spPr>
+            <a:xfrm>
+              <a:off x="5264582" y="3997286"/>
+              <a:ext cx="1371012" cy="369332"/>
+            </a:xfrm>
+            <a:prstGeom prst="rect">
+              <a:avLst/>
+            </a:prstGeom>
+            <a:noFill/>
+          </p:spPr>
+          <p:txBody>
+            <a:bodyPr wrap="square" rtlCol="0">
+              <a:spAutoFit/>
+            </a:bodyPr>
+            <a:lstStyle/>
+            <a:p>
+              <a:r>
+                <a:rPr lang="es-ES" dirty="0">
+                  <a:solidFill>
+                    <a:schemeClr val="bg1"/>
+                  </a:solidFill>
+                </a:rPr>
+                <a:t>Tipo:</a:t>
+              </a:r>
+            </a:p>
+          </p:txBody>
+        </p:sp>
+        <p:sp>
+          <p:nvSpPr>
+            <p:cNvPr id="11" name="CuadroTexto 10">
+              <a:extLst>
+                <a:ext uri="{FF2B5EF4-FFF2-40B4-BE49-F238E27FC236}">
+                  <a16:creationId xmlns:a16="http://schemas.microsoft.com/office/drawing/2014/main" id="{4DDD9D70-EC54-C3AF-6A01-4EB447576038}"/>
+                </a:ext>
+              </a:extLst>
+            </p:cNvPr>
+            <p:cNvSpPr txBox="1"/>
+            <p:nvPr/>
+          </p:nvSpPr>
+          <p:spPr>
+            <a:xfrm>
+              <a:off x="5264582" y="4410637"/>
+              <a:ext cx="1371012" cy="369332"/>
+            </a:xfrm>
+            <a:prstGeom prst="rect">
+              <a:avLst/>
+            </a:prstGeom>
+            <a:noFill/>
+          </p:spPr>
+          <p:txBody>
+            <a:bodyPr wrap="square" rtlCol="0">
+              <a:spAutoFit/>
+            </a:bodyPr>
+            <a:lstStyle/>
+            <a:p>
+              <a:r>
+                <a:rPr lang="es-ES" dirty="0">
+                  <a:solidFill>
+                    <a:schemeClr val="bg1"/>
+                  </a:solidFill>
+                </a:rPr>
+                <a:t>Monto:</a:t>
+              </a:r>
+            </a:p>
+          </p:txBody>
+        </p:sp>
+        <p:sp>
+          <p:nvSpPr>
+            <p:cNvPr id="14" name="Rectángulo: esquinas redondeadas 13">
+              <a:extLst>
+                <a:ext uri="{FF2B5EF4-FFF2-40B4-BE49-F238E27FC236}">
+                  <a16:creationId xmlns:a16="http://schemas.microsoft.com/office/drawing/2014/main" id="{0B588989-932E-A58D-F513-7163F67E89CF}"/>
+                </a:ext>
+              </a:extLst>
+            </p:cNvPr>
+            <p:cNvSpPr/>
+            <p:nvPr/>
+          </p:nvSpPr>
+          <p:spPr>
+            <a:xfrm>
+              <a:off x="6635594" y="3170584"/>
+              <a:ext cx="2015248" cy="325376"/>
+            </a:xfrm>
+            <a:prstGeom prst="roundRect">
+              <a:avLst/>
+            </a:prstGeom>
+            <a:solidFill>
+              <a:schemeClr val="bg2">
+                <a:lumMod val="20000"/>
+                <a:lumOff val="80000"/>
+              </a:schemeClr>
+            </a:solidFill>
+          </p:spPr>
+          <p:style>
+            <a:lnRef idx="2">
+              <a:schemeClr val="accent1">
+                <a:shade val="15000"/>
+              </a:schemeClr>
+            </a:lnRef>
+            <a:fillRef idx="1">
+              <a:schemeClr val="accent1"/>
+            </a:fillRef>
+            <a:effectRef idx="0">
+              <a:schemeClr val="accent1"/>
+            </a:effectRef>
+            <a:fontRef idx="minor">
+              <a:schemeClr val="lt1"/>
+            </a:fontRef>
+          </p:style>
+          <p:txBody>
+            <a:bodyPr rtlCol="0" anchor="ctr"/>
+            <a:lstStyle/>
+            <a:p>
+              <a:pPr algn="ctr"/>
+              <a:endParaRPr lang="es-ES"/>
+            </a:p>
+          </p:txBody>
+        </p:sp>
+        <p:sp>
+          <p:nvSpPr>
+            <p:cNvPr id="15" name="Rectángulo: esquinas redondeadas 14">
+              <a:extLst>
+                <a:ext uri="{FF2B5EF4-FFF2-40B4-BE49-F238E27FC236}">
+                  <a16:creationId xmlns:a16="http://schemas.microsoft.com/office/drawing/2014/main" id="{AA77F933-0365-A772-F804-EF7BE8A49264}"/>
+                </a:ext>
+              </a:extLst>
+            </p:cNvPr>
+            <p:cNvSpPr/>
+            <p:nvPr/>
+          </p:nvSpPr>
+          <p:spPr>
+            <a:xfrm>
+              <a:off x="6635594" y="3587086"/>
+              <a:ext cx="2015248" cy="325376"/>
+            </a:xfrm>
+            <a:prstGeom prst="roundRect">
+              <a:avLst/>
+            </a:prstGeom>
+            <a:solidFill>
+              <a:schemeClr val="bg2">
+                <a:lumMod val="20000"/>
+                <a:lumOff val="80000"/>
+              </a:schemeClr>
+            </a:solidFill>
+          </p:spPr>
+          <p:style>
+            <a:lnRef idx="2">
+              <a:schemeClr val="accent1">
+                <a:shade val="15000"/>
+              </a:schemeClr>
+            </a:lnRef>
+            <a:fillRef idx="1">
+              <a:schemeClr val="accent1"/>
+            </a:fillRef>
+            <a:effectRef idx="0">
+              <a:schemeClr val="accent1"/>
+            </a:effectRef>
+            <a:fontRef idx="minor">
+              <a:schemeClr val="lt1"/>
+            </a:fontRef>
+          </p:style>
+          <p:txBody>
+            <a:bodyPr rtlCol="0" anchor="ctr"/>
+            <a:lstStyle/>
+            <a:p>
+              <a:pPr algn="ctr"/>
+              <a:endParaRPr lang="es-ES"/>
+            </a:p>
+          </p:txBody>
+        </p:sp>
+        <p:sp>
+          <p:nvSpPr>
+            <p:cNvPr id="16" name="Rectángulo: esquinas redondeadas 15">
+              <a:extLst>
+                <a:ext uri="{FF2B5EF4-FFF2-40B4-BE49-F238E27FC236}">
+                  <a16:creationId xmlns:a16="http://schemas.microsoft.com/office/drawing/2014/main" id="{D59231E5-C1E0-43FF-A4D8-43B65420FD26}"/>
+                </a:ext>
+              </a:extLst>
+            </p:cNvPr>
+            <p:cNvSpPr/>
+            <p:nvPr/>
+          </p:nvSpPr>
+          <p:spPr>
+            <a:xfrm>
+              <a:off x="6635594" y="4003588"/>
+              <a:ext cx="2015248" cy="325376"/>
+            </a:xfrm>
+            <a:prstGeom prst="roundRect">
+              <a:avLst/>
+            </a:prstGeom>
+            <a:solidFill>
+              <a:schemeClr val="bg2">
+                <a:lumMod val="20000"/>
+                <a:lumOff val="80000"/>
+              </a:schemeClr>
+            </a:solidFill>
+          </p:spPr>
+          <p:style>
+            <a:lnRef idx="2">
+              <a:schemeClr val="accent1">
+                <a:shade val="15000"/>
+              </a:schemeClr>
+            </a:lnRef>
+            <a:fillRef idx="1">
+              <a:schemeClr val="accent1"/>
+            </a:fillRef>
+            <a:effectRef idx="0">
+              <a:schemeClr val="accent1"/>
+            </a:effectRef>
+            <a:fontRef idx="minor">
+              <a:schemeClr val="lt1"/>
+            </a:fontRef>
+          </p:style>
+          <p:txBody>
+            <a:bodyPr rtlCol="0" anchor="ctr"/>
+            <a:lstStyle/>
+            <a:p>
+              <a:pPr algn="ctr"/>
+              <a:endParaRPr lang="es-ES"/>
+            </a:p>
+          </p:txBody>
+        </p:sp>
+        <p:sp>
+          <p:nvSpPr>
+            <p:cNvPr id="17" name="Rectángulo: esquinas redondeadas 16">
+              <a:extLst>
+                <a:ext uri="{FF2B5EF4-FFF2-40B4-BE49-F238E27FC236}">
+                  <a16:creationId xmlns:a16="http://schemas.microsoft.com/office/drawing/2014/main" id="{BB4BA438-C5F1-A8F9-B18B-A407BB1D2DAB}"/>
+                </a:ext>
+              </a:extLst>
+            </p:cNvPr>
+            <p:cNvSpPr/>
+            <p:nvPr/>
+          </p:nvSpPr>
+          <p:spPr>
+            <a:xfrm>
+              <a:off x="6635594" y="4414111"/>
+              <a:ext cx="2015248" cy="325376"/>
+            </a:xfrm>
+            <a:prstGeom prst="roundRect">
+              <a:avLst/>
+            </a:prstGeom>
+            <a:solidFill>
+              <a:schemeClr val="bg2">
+                <a:lumMod val="20000"/>
+                <a:lumOff val="80000"/>
+              </a:schemeClr>
+            </a:solidFill>
+          </p:spPr>
+          <p:style>
+            <a:lnRef idx="2">
+              <a:schemeClr val="accent1">
+                <a:shade val="15000"/>
+              </a:schemeClr>
+            </a:lnRef>
+            <a:fillRef idx="1">
+              <a:schemeClr val="accent1"/>
+            </a:fillRef>
+            <a:effectRef idx="0">
+              <a:schemeClr val="accent1"/>
+            </a:effectRef>
+            <a:fontRef idx="minor">
+              <a:schemeClr val="lt1"/>
+            </a:fontRef>
+          </p:style>
+          <p:txBody>
+            <a:bodyPr rtlCol="0" anchor="ctr"/>
+            <a:lstStyle/>
+            <a:p>
+              <a:pPr algn="ctr"/>
+              <a:endParaRPr lang="es-ES"/>
+            </a:p>
+          </p:txBody>
+        </p:sp>
+      </p:grpSp>
       <p:sp>
         <p:nvSpPr>
           <p:cNvPr id="25" name="Rectángulo: esquinas redondeadas 24">
@@ -7388,7 +7324,7 @@
         </p:nvSpPr>
         <p:spPr>
           <a:xfrm>
-            <a:off x="6096000" y="5003771"/>
+            <a:off x="6245422" y="5413108"/>
             <a:ext cx="1020073" cy="314104"/>
           </a:xfrm>
           <a:prstGeom prst="roundRect">
@@ -7428,7 +7364,7 @@
                   <a:srgbClr val="FFFF00"/>
                 </a:solidFill>
               </a:rPr>
-              <a:t>REGISTRAR</a:t>
+              <a:t>DETALLES</a:t>
             </a:r>
           </a:p>
         </p:txBody>
@@ -7448,7 +7384,7 @@
         </p:nvSpPr>
         <p:spPr>
           <a:xfrm>
-            <a:off x="7386534" y="5003771"/>
+            <a:off x="7535956" y="5413108"/>
             <a:ext cx="1020073" cy="314104"/>
           </a:xfrm>
           <a:prstGeom prst="roundRect">
@@ -7698,6 +7634,147 @@
           </a:prstGeom>
           <a:solidFill>
             <a:schemeClr val="accent1"/>
+          </a:solidFill>
+          <a:ln w="28575">
+            <a:solidFill>
+              <a:schemeClr val="bg2"/>
+            </a:solidFill>
+          </a:ln>
+        </p:spPr>
+        <p:style>
+          <a:lnRef idx="2">
+            <a:schemeClr val="accent1">
+              <a:shade val="15000"/>
+            </a:schemeClr>
+          </a:lnRef>
+          <a:fillRef idx="1">
+            <a:schemeClr val="accent1"/>
+          </a:fillRef>
+          <a:effectRef idx="0">
+            <a:schemeClr val="accent1"/>
+          </a:effectRef>
+          <a:fontRef idx="minor">
+            <a:schemeClr val="lt1"/>
+          </a:fontRef>
+        </p:style>
+        <p:txBody>
+          <a:bodyPr rtlCol="0" anchor="ctr"/>
+          <a:lstStyle/>
+          <a:p>
+            <a:pPr algn="ctr"/>
+            <a:r>
+              <a:rPr lang="es-ES" sz="1600" dirty="0">
+                <a:solidFill>
+                  <a:srgbClr val="002060"/>
+                </a:solidFill>
+              </a:rPr>
+              <a:t>Acción Realizada</a:t>
+            </a:r>
+          </a:p>
+        </p:txBody>
+      </p:sp>
+      <p:sp>
+        <p:nvSpPr>
+          <p:cNvPr id="3" name="CuadroTexto 2">
+            <a:extLst>
+              <a:ext uri="{FF2B5EF4-FFF2-40B4-BE49-F238E27FC236}">
+                <a16:creationId xmlns:a16="http://schemas.microsoft.com/office/drawing/2014/main" id="{A1FD41FB-97BC-912F-7FA2-A28D604666F6}"/>
+              </a:ext>
+            </a:extLst>
+          </p:cNvPr>
+          <p:cNvSpPr txBox="1"/>
+          <p:nvPr/>
+        </p:nvSpPr>
+        <p:spPr>
+          <a:xfrm>
+            <a:off x="2876151" y="2483867"/>
+            <a:ext cx="1371012" cy="276999"/>
+          </a:xfrm>
+          <a:prstGeom prst="rect">
+            <a:avLst/>
+          </a:prstGeom>
+          <a:noFill/>
+        </p:spPr>
+        <p:txBody>
+          <a:bodyPr wrap="square" rtlCol="0">
+            <a:spAutoFit/>
+          </a:bodyPr>
+          <a:lstStyle/>
+          <a:p>
+            <a:r>
+              <a:rPr lang="es-ES" sz="1200" dirty="0">
+                <a:solidFill>
+                  <a:schemeClr val="bg1"/>
+                </a:solidFill>
+              </a:rPr>
+              <a:t>Fecha:</a:t>
+            </a:r>
+          </a:p>
+        </p:txBody>
+      </p:sp>
+      <p:sp>
+        <p:nvSpPr>
+          <p:cNvPr id="19" name="CuadroTexto 18">
+            <a:extLst>
+              <a:ext uri="{FF2B5EF4-FFF2-40B4-BE49-F238E27FC236}">
+                <a16:creationId xmlns:a16="http://schemas.microsoft.com/office/drawing/2014/main" id="{8829EE3F-473B-5161-83DC-81BA303E221A}"/>
+              </a:ext>
+            </a:extLst>
+          </p:cNvPr>
+          <p:cNvSpPr txBox="1"/>
+          <p:nvPr/>
+        </p:nvSpPr>
+        <p:spPr>
+          <a:xfrm>
+            <a:off x="4902804" y="2368268"/>
+            <a:ext cx="1371012" cy="307777"/>
+          </a:xfrm>
+          <a:prstGeom prst="rect">
+            <a:avLst/>
+          </a:prstGeom>
+          <a:noFill/>
+        </p:spPr>
+        <p:txBody>
+          <a:bodyPr wrap="square" rtlCol="0">
+            <a:spAutoFit/>
+          </a:bodyPr>
+          <a:lstStyle/>
+          <a:p>
+            <a:r>
+              <a:rPr lang="es-ES" sz="1400" dirty="0">
+                <a:solidFill>
+                  <a:schemeClr val="bg1"/>
+                </a:solidFill>
+              </a:rPr>
+              <a:t>Filtrar:</a:t>
+            </a:r>
+          </a:p>
+        </p:txBody>
+      </p:sp>
+      <p:sp>
+        <p:nvSpPr>
+          <p:cNvPr id="12" name="Bocadillo: rectángulo 11">
+            <a:extLst>
+              <a:ext uri="{FF2B5EF4-FFF2-40B4-BE49-F238E27FC236}">
+                <a16:creationId xmlns:a16="http://schemas.microsoft.com/office/drawing/2014/main" id="{EFDA28ED-7AA0-A08E-914B-8BAAD4BB30A6}"/>
+              </a:ext>
+            </a:extLst>
+          </p:cNvPr>
+          <p:cNvSpPr/>
+          <p:nvPr/>
+        </p:nvSpPr>
+        <p:spPr>
+          <a:xfrm>
+            <a:off x="2952341" y="4636769"/>
+            <a:ext cx="1561293" cy="1057456"/>
+          </a:xfrm>
+          <a:prstGeom prst="wedgeRectCallout">
+            <a:avLst/>
+          </a:prstGeom>
+          <a:solidFill>
+            <a:schemeClr val="tx1">
+              <a:lumMod val="85000"/>
+            </a:schemeClr>
           </a:solidFill>
           <a:ln w="28575">
             <a:solidFill>
@@ -7753,22 +7830,12 @@
         <p:cTn id="1" dur="indefinite" restart="never" nodeType="tmRoot">
           <p:childTnLst>
             <p:seq concurrent="1" nextAc="seek">
-              <p:cTn id="2" restart="whenNotActive" fill="hold" evtFilter="cancelBubble" nodeType="interactiveSeq">
-                <p:stCondLst>
-                  <p:cond evt="onClick" delay="0">
-                    <p:tgtEl>
-                      <p:spTgt spid="24"/>
-                    </p:tgtEl>
-                  </p:cond>
-                </p:stCondLst>
-                <p:endSync evt="end" delay="0">
-                  <p:rtn val="all"/>
-                </p:endSync>
+              <p:cTn id="2" dur="indefinite" nodeType="mainSeq">
                 <p:childTnLst>
                   <p:par>
                     <p:cTn id="3" fill="hold">
                       <p:stCondLst>
-                        <p:cond delay="0"/>
+                        <p:cond delay="indefinite"/>
                       </p:stCondLst>
                       <p:childTnLst>
                         <p:par>
@@ -7791,7 +7858,7 @@
                                           </p:stCondLst>
                                         </p:cTn>
                                         <p:tgtEl>
-                                          <p:spTgt spid="27"/>
+                                          <p:spTgt spid="28"/>
                                         </p:tgtEl>
                                         <p:attrNameLst>
                                           <p:attrName>style.visibility</p:attrName>
@@ -7812,10 +7879,17 @@
                   </p:par>
                 </p:childTnLst>
               </p:cTn>
+              <p:prevCondLst>
+                <p:cond evt="onPrev" delay="0">
+                  <p:tgtEl>
+                    <p:sldTgt/>
+                  </p:tgtEl>
+                </p:cond>
+              </p:prevCondLst>
               <p:nextCondLst>
-                <p:cond evt="onClick" delay="0">
+                <p:cond evt="onNext" delay="0">
                   <p:tgtEl>
-                    <p:spTgt spid="24"/>
+                    <p:sldTgt/>
                   </p:tgtEl>
                 </p:cond>
               </p:nextCondLst>
@@ -7825,7 +7899,7 @@
                 <p:stCondLst>
                   <p:cond evt="onClick" delay="0">
                     <p:tgtEl>
-                      <p:spTgt spid="25"/>
+                      <p:spTgt spid="24"/>
                     </p:tgtEl>
                   </p:cond>
                 </p:stCondLst>
@@ -7859,7 +7933,7 @@
                                           </p:stCondLst>
                                         </p:cTn>
                                         <p:tgtEl>
-                                          <p:spTgt spid="28"/>
+                                          <p:spTgt spid="27"/>
                                         </p:tgtEl>
                                         <p:attrNameLst>
                                           <p:attrName>style.visibility</p:attrName>
@@ -7883,7 +7957,7 @@
               <p:nextCondLst>
                 <p:cond evt="onClick" delay="0">
                   <p:tgtEl>
-                    <p:spTgt spid="25"/>
+                    <p:spTgt spid="24"/>
                   </p:tgtEl>
                 </p:cond>
               </p:nextCondLst>
@@ -7940,6 +8014,168 @@
                                   </p:childTnLst>
                                 </p:cTn>
                               </p:par>
+                              <p:par>
+                                <p:cTn id="17" presetID="1" presetClass="entr" presetSubtype="0" fill="hold" grpId="0" nodeType="withEffect">
+                                  <p:stCondLst>
+                                    <p:cond delay="0"/>
+                                  </p:stCondLst>
+                                  <p:childTnLst>
+                                    <p:set>
+                                      <p:cBhvr>
+                                        <p:cTn id="18" dur="1" fill="hold">
+                                          <p:stCondLst>
+                                            <p:cond delay="0"/>
+                                          </p:stCondLst>
+                                        </p:cTn>
+                                        <p:tgtEl>
+                                          <p:spTgt spid="23"/>
+                                        </p:tgtEl>
+                                        <p:attrNameLst>
+                                          <p:attrName>style.visibility</p:attrName>
+                                        </p:attrNameLst>
+                                      </p:cBhvr>
+                                      <p:to>
+                                        <p:strVal val="visible"/>
+                                      </p:to>
+                                    </p:set>
+                                  </p:childTnLst>
+                                </p:cTn>
+                              </p:par>
+                              <p:par>
+                                <p:cTn id="19" presetID="1" presetClass="entr" presetSubtype="0" fill="hold" grpId="0" nodeType="withEffect">
+                                  <p:stCondLst>
+                                    <p:cond delay="0"/>
+                                  </p:stCondLst>
+                                  <p:childTnLst>
+                                    <p:set>
+                                      <p:cBhvr>
+                                        <p:cTn id="20" dur="1" fill="hold">
+                                          <p:stCondLst>
+                                            <p:cond delay="0"/>
+                                          </p:stCondLst>
+                                        </p:cTn>
+                                        <p:tgtEl>
+                                          <p:spTgt spid="24"/>
+                                        </p:tgtEl>
+                                        <p:attrNameLst>
+                                          <p:attrName>style.visibility</p:attrName>
+                                        </p:attrNameLst>
+                                      </p:cBhvr>
+                                      <p:to>
+                                        <p:strVal val="visible"/>
+                                      </p:to>
+                                    </p:set>
+                                  </p:childTnLst>
+                                </p:cTn>
+                              </p:par>
+                              <p:par>
+                                <p:cTn id="21" presetID="1" presetClass="entr" presetSubtype="0" fill="hold" nodeType="withEffect">
+                                  <p:stCondLst>
+                                    <p:cond delay="0"/>
+                                  </p:stCondLst>
+                                  <p:childTnLst>
+                                    <p:set>
+                                      <p:cBhvr>
+                                        <p:cTn id="22" dur="1" fill="hold">
+                                          <p:stCondLst>
+                                            <p:cond delay="0"/>
+                                          </p:stCondLst>
+                                        </p:cTn>
+                                        <p:tgtEl>
+                                          <p:spTgt spid="18"/>
+                                        </p:tgtEl>
+                                        <p:attrNameLst>
+                                          <p:attrName>style.visibility</p:attrName>
+                                        </p:attrNameLst>
+                                      </p:cBhvr>
+                                      <p:to>
+                                        <p:strVal val="visible"/>
+                                      </p:to>
+                                    </p:set>
+                                  </p:childTnLst>
+                                </p:cTn>
+                              </p:par>
+                              <p:par>
+                                <p:cTn id="23" presetID="1" presetClass="entr" presetSubtype="0" fill="hold" grpId="0" nodeType="withEffect">
+                                  <p:stCondLst>
+                                    <p:cond delay="0"/>
+                                  </p:stCondLst>
+                                  <p:childTnLst>
+                                    <p:set>
+                                      <p:cBhvr>
+                                        <p:cTn id="24" dur="1" fill="hold">
+                                          <p:stCondLst>
+                                            <p:cond delay="0"/>
+                                          </p:stCondLst>
+                                        </p:cTn>
+                                        <p:tgtEl>
+                                          <p:spTgt spid="25"/>
+                                        </p:tgtEl>
+                                        <p:attrNameLst>
+                                          <p:attrName>style.visibility</p:attrName>
+                                        </p:attrNameLst>
+                                      </p:cBhvr>
+                                      <p:to>
+                                        <p:strVal val="visible"/>
+                                      </p:to>
+                                    </p:set>
+                                  </p:childTnLst>
+                                </p:cTn>
+                              </p:par>
+                              <p:par>
+                                <p:cTn id="25" presetID="1" presetClass="entr" presetSubtype="0" fill="hold" grpId="0" nodeType="withEffect">
+                                  <p:stCondLst>
+                                    <p:cond delay="0"/>
+                                  </p:stCondLst>
+                                  <p:childTnLst>
+                                    <p:set>
+                                      <p:cBhvr>
+                                        <p:cTn id="26" dur="1" fill="hold">
+                                          <p:stCondLst>
+                                            <p:cond delay="0"/>
+                                          </p:stCondLst>
+                                        </p:cTn>
+                                        <p:tgtEl>
+                                          <p:spTgt spid="26"/>
+                                        </p:tgtEl>
+                                        <p:attrNameLst>
+                                          <p:attrName>style.visibility</p:attrName>
+                                        </p:attrNameLst>
+                                      </p:cBhvr>
+                                      <p:to>
+                                        <p:strVal val="visible"/>
+                                      </p:to>
+                                    </p:set>
+                                  </p:childTnLst>
+                                </p:cTn>
+                              </p:par>
+                              <p:par>
+                                <p:cTn id="27" presetID="1" presetClass="entr" presetSubtype="0" fill="hold" grpId="0" nodeType="withEffect">
+                                  <p:stCondLst>
+                                    <p:cond delay="0"/>
+                                  </p:stCondLst>
+                                  <p:childTnLst>
+                                    <p:set>
+                                      <p:cBhvr>
+                                        <p:cTn id="28" dur="1" fill="hold">
+                                          <p:stCondLst>
+                                            <p:cond delay="0"/>
+                                          </p:stCondLst>
+                                        </p:cTn>
+                                        <p:tgtEl>
+                                          <p:spTgt spid="19"/>
+                                        </p:tgtEl>
+                                        <p:attrNameLst>
+                                          <p:attrName>style.visibility</p:attrName>
+                                        </p:attrNameLst>
+                                      </p:cBhvr>
+                                      <p:to>
+                                        <p:strVal val="visible"/>
+                                      </p:to>
+                                    </p:set>
+                                  </p:childTnLst>
+                                </p:cTn>
+                              </p:par>
                             </p:childTnLst>
                           </p:cTn>
                         </p:par>
@@ -7957,7 +8193,7 @@
               </p:nextCondLst>
             </p:seq>
             <p:seq concurrent="1" nextAc="seek">
-              <p:cTn id="17" restart="whenNotActive" fill="hold" evtFilter="cancelBubble" nodeType="interactiveSeq">
+              <p:cTn id="29" restart="whenNotActive" fill="hold" evtFilter="cancelBubble" nodeType="interactiveSeq">
                 <p:stCondLst>
                   <p:cond evt="onClick" delay="0">
                     <p:tgtEl>
@@ -7970,26 +8206,26 @@
                 </p:endSync>
                 <p:childTnLst>
                   <p:par>
-                    <p:cTn id="18" fill="hold">
+                    <p:cTn id="30" fill="hold">
                       <p:stCondLst>
                         <p:cond delay="0"/>
                       </p:stCondLst>
                       <p:childTnLst>
                         <p:par>
-                          <p:cTn id="19" fill="hold">
+                          <p:cTn id="31" fill="hold">
                             <p:stCondLst>
                               <p:cond delay="0"/>
                             </p:stCondLst>
                             <p:childTnLst>
                               <p:par>
-                                <p:cTn id="20" presetID="1" presetClass="entr" presetSubtype="0" fill="hold" grpId="0" nodeType="clickEffect">
+                                <p:cTn id="32" presetID="1" presetClass="entr" presetSubtype="0" fill="hold" grpId="0" nodeType="clickEffect">
                                   <p:stCondLst>
                                     <p:cond delay="0"/>
                                   </p:stCondLst>
                                   <p:childTnLst>
                                     <p:set>
                                       <p:cBhvr>
-                                        <p:cTn id="21" dur="1" fill="hold">
+                                        <p:cTn id="33" dur="1" fill="hold">
                                           <p:stCondLst>
                                             <p:cond delay="0"/>
                                           </p:stCondLst>
@@ -8024,15 +8260,89 @@
                 </p:cond>
               </p:nextCondLst>
             </p:seq>
+            <p:seq concurrent="1" nextAc="seek">
+              <p:cTn id="34" restart="whenNotActive" fill="hold" evtFilter="cancelBubble" nodeType="interactiveSeq">
+                <p:stCondLst>
+                  <p:cond evt="onClick" delay="0">
+                    <p:tgtEl>
+                      <p:spTgt spid="25"/>
+                    </p:tgtEl>
+                  </p:cond>
+                </p:stCondLst>
+                <p:endSync evt="end" delay="0">
+                  <p:rtn val="all"/>
+                </p:endSync>
+                <p:childTnLst>
+                  <p:par>
+                    <p:cTn id="35" fill="hold">
+                      <p:stCondLst>
+                        <p:cond delay="0"/>
+                      </p:stCondLst>
+                      <p:childTnLst>
+                        <p:par>
+                          <p:cTn id="36" fill="hold">
+                            <p:stCondLst>
+                              <p:cond delay="0"/>
+                            </p:stCondLst>
+                            <p:childTnLst>
+                              <p:par>
+                                <p:cTn id="37" presetID="1" presetClass="entr" presetSubtype="0" fill="hold" grpId="0" nodeType="clickEffect">
+                                  <p:stCondLst>
+                                    <p:cond delay="0"/>
+                                  </p:stCondLst>
+                                  <p:childTnLst>
+                                    <p:set>
+                                      <p:cBhvr>
+                                        <p:cTn id="38" dur="1" fill="hold">
+                                          <p:stCondLst>
+                                            <p:cond delay="0"/>
+                                          </p:stCondLst>
+                                        </p:cTn>
+                                        <p:tgtEl>
+                                          <p:spTgt spid="12"/>
+                                        </p:tgtEl>
+                                        <p:attrNameLst>
+                                          <p:attrName>style.visibility</p:attrName>
+                                        </p:attrNameLst>
+                                      </p:cBhvr>
+                                      <p:to>
+                                        <p:strVal val="visible"/>
+                                      </p:to>
+                                    </p:set>
+                                  </p:childTnLst>
+                                </p:cTn>
+                              </p:par>
+                            </p:childTnLst>
+                          </p:cTn>
+                        </p:par>
+                      </p:childTnLst>
+                    </p:cTn>
+                  </p:par>
+                </p:childTnLst>
+              </p:cTn>
+              <p:nextCondLst>
+                <p:cond evt="onClick" delay="0">
+                  <p:tgtEl>
+                    <p:spTgt spid="25"/>
+                  </p:tgtEl>
+                </p:cond>
+              </p:nextCondLst>
+            </p:seq>
           </p:childTnLst>
         </p:cTn>
       </p:par>
     </p:tnLst>
     <p:bldLst>
+      <p:bldP spid="23" grpId="0" animBg="1"/>
+      <p:bldP spid="24" grpId="0" animBg="1"/>
+      <p:bldP spid="25" grpId="0" animBg="1"/>
+      <p:bldP spid="26" grpId="0" animBg="1"/>
       <p:bldP spid="27" grpId="0" animBg="1"/>
       <p:bldP spid="28" grpId="0" animBg="1"/>
       <p:bldP spid="29" grpId="0" animBg="1"/>
       <p:bldP spid="30" grpId="0" animBg="1"/>
+      <p:bldP spid="19" grpId="0"/>
+      <p:bldP spid="12" grpId="0" animBg="1"/>
     </p:bldLst>
   </p:timing>
 </p:sld>
@@ -9410,6 +9720,45 @@
                 </a:solidFill>
               </a:rPr>
               <a:t>Acción Realizada</a:t>
+            </a:r>
+          </a:p>
+        </p:txBody>
+      </p:sp>
+      <p:sp>
+        <p:nvSpPr>
+          <p:cNvPr id="2" name="CuadroTexto 1">
+            <a:extLst>
+              <a:ext uri="{FF2B5EF4-FFF2-40B4-BE49-F238E27FC236}">
+                <a16:creationId xmlns:a16="http://schemas.microsoft.com/office/drawing/2014/main" id="{C1E661C3-437F-9037-EB1B-05957951DC00}"/>
+              </a:ext>
+            </a:extLst>
+          </p:cNvPr>
+          <p:cNvSpPr txBox="1"/>
+          <p:nvPr/>
+        </p:nvSpPr>
+        <p:spPr>
+          <a:xfrm>
+            <a:off x="2876151" y="2483867"/>
+            <a:ext cx="1371012" cy="276999"/>
+          </a:xfrm>
+          <a:prstGeom prst="rect">
+            <a:avLst/>
+          </a:prstGeom>
+          <a:noFill/>
+        </p:spPr>
+        <p:txBody>
+          <a:bodyPr wrap="square" rtlCol="0">
+            <a:spAutoFit/>
+          </a:bodyPr>
+          <a:lstStyle/>
+          <a:p>
+            <a:r>
+              <a:rPr lang="es-ES" sz="1200" dirty="0">
+                <a:solidFill>
+                  <a:schemeClr val="bg1"/>
+                </a:solidFill>
+              </a:rPr>
+              <a:t>CI:</a:t>
             </a:r>
           </a:p>
         </p:txBody>
@@ -11091,6 +11440,45 @@
           </a:p>
         </p:txBody>
       </p:sp>
+      <p:sp>
+        <p:nvSpPr>
+          <p:cNvPr id="2" name="CuadroTexto 1">
+            <a:extLst>
+              <a:ext uri="{FF2B5EF4-FFF2-40B4-BE49-F238E27FC236}">
+                <a16:creationId xmlns:a16="http://schemas.microsoft.com/office/drawing/2014/main" id="{0A153AF0-78EB-2DDC-9B92-4A89F1641F54}"/>
+              </a:ext>
+            </a:extLst>
+          </p:cNvPr>
+          <p:cNvSpPr txBox="1"/>
+          <p:nvPr/>
+        </p:nvSpPr>
+        <p:spPr>
+          <a:xfrm>
+            <a:off x="2876151" y="2483867"/>
+            <a:ext cx="1371012" cy="276999"/>
+          </a:xfrm>
+          <a:prstGeom prst="rect">
+            <a:avLst/>
+          </a:prstGeom>
+          <a:noFill/>
+        </p:spPr>
+        <p:txBody>
+          <a:bodyPr wrap="square" rtlCol="0">
+            <a:spAutoFit/>
+          </a:bodyPr>
+          <a:lstStyle/>
+          <a:p>
+            <a:r>
+              <a:rPr lang="es-ES" sz="1200" dirty="0">
+                <a:solidFill>
+                  <a:schemeClr val="bg1"/>
+                </a:solidFill>
+              </a:rPr>
+              <a:t>Nombre:</a:t>
+            </a:r>
+          </a:p>
+        </p:txBody>
+      </p:sp>
     </p:spTree>
     <p:extLst>
       <p:ext uri="{BB962C8B-B14F-4D97-AF65-F5344CB8AC3E}">
@@ -12673,6 +13061,45 @@
                 </a:solidFill>
               </a:rPr>
               <a:t>Acción Realizada</a:t>
+            </a:r>
+          </a:p>
+        </p:txBody>
+      </p:sp>
+      <p:sp>
+        <p:nvSpPr>
+          <p:cNvPr id="2" name="CuadroTexto 1">
+            <a:extLst>
+              <a:ext uri="{FF2B5EF4-FFF2-40B4-BE49-F238E27FC236}">
+                <a16:creationId xmlns:a16="http://schemas.microsoft.com/office/drawing/2014/main" id="{C5C14C8B-B28E-D05D-FA62-3AA0B673EC01}"/>
+              </a:ext>
+            </a:extLst>
+          </p:cNvPr>
+          <p:cNvSpPr txBox="1"/>
+          <p:nvPr/>
+        </p:nvSpPr>
+        <p:spPr>
+          <a:xfrm>
+            <a:off x="2876151" y="2483867"/>
+            <a:ext cx="1371012" cy="276999"/>
+          </a:xfrm>
+          <a:prstGeom prst="rect">
+            <a:avLst/>
+          </a:prstGeom>
+          <a:noFill/>
+        </p:spPr>
+        <p:txBody>
+          <a:bodyPr wrap="square" rtlCol="0">
+            <a:spAutoFit/>
+          </a:bodyPr>
+          <a:lstStyle/>
+          <a:p>
+            <a:r>
+              <a:rPr lang="es-ES" sz="1200" dirty="0">
+                <a:solidFill>
+                  <a:schemeClr val="bg1"/>
+                </a:solidFill>
+              </a:rPr>
+              <a:t>Cod Venta:</a:t>
             </a:r>
           </a:p>
         </p:txBody>

--- a/Sistema de Informacion/Prototipo.pptx
+++ b/Sistema de Informacion/Prototipo.pptx
@@ -11,7 +11,7 @@
     <p:sldId id="256" r:id="rId2"/>
     <p:sldId id="257" r:id="rId3"/>
     <p:sldId id="258" r:id="rId4"/>
-    <p:sldId id="259" r:id="rId5"/>
+    <p:sldId id="264" r:id="rId5"/>
     <p:sldId id="260" r:id="rId6"/>
     <p:sldId id="261" r:id="rId7"/>
     <p:sldId id="262" r:id="rId8"/>
@@ -204,7 +204,7 @@
           <a:p>
             <a:fld id="{DEEFDFBD-FDA3-434C-8BA9-F940C46F313F}" type="datetimeFigureOut">
               <a:rPr lang="es-ES" smtClean="0"/>
-              <a:t>30/06/2022</a:t>
+              <a:t>18/07/2024</a:t>
             </a:fld>
             <a:endParaRPr lang="es-ES"/>
           </a:p>
@@ -718,7 +718,7 @@
           <a:p>
             <a:fld id="{5ED85047-F0AC-45C9-B1E2-880D42078E4A}" type="datetimeFigureOut">
               <a:rPr lang="es-ES" smtClean="0"/>
-              <a:t>30/06/2022</a:t>
+              <a:t>18/07/2024</a:t>
             </a:fld>
             <a:endParaRPr lang="es-ES"/>
           </a:p>
@@ -888,7 +888,7 @@
           <a:p>
             <a:fld id="{5ED85047-F0AC-45C9-B1E2-880D42078E4A}" type="datetimeFigureOut">
               <a:rPr lang="es-ES" smtClean="0"/>
-              <a:t>30/06/2022</a:t>
+              <a:t>18/07/2024</a:t>
             </a:fld>
             <a:endParaRPr lang="es-ES"/>
           </a:p>
@@ -1068,7 +1068,7 @@
           <a:p>
             <a:fld id="{5ED85047-F0AC-45C9-B1E2-880D42078E4A}" type="datetimeFigureOut">
               <a:rPr lang="es-ES" smtClean="0"/>
-              <a:t>30/06/2022</a:t>
+              <a:t>18/07/2024</a:t>
             </a:fld>
             <a:endParaRPr lang="es-ES"/>
           </a:p>
@@ -1238,7 +1238,7 @@
           <a:p>
             <a:fld id="{5ED85047-F0AC-45C9-B1E2-880D42078E4A}" type="datetimeFigureOut">
               <a:rPr lang="es-ES" smtClean="0"/>
-              <a:t>30/06/2022</a:t>
+              <a:t>18/07/2024</a:t>
             </a:fld>
             <a:endParaRPr lang="es-ES"/>
           </a:p>
@@ -1506,7 +1506,7 @@
           <a:p>
             <a:fld id="{5ED85047-F0AC-45C9-B1E2-880D42078E4A}" type="datetimeFigureOut">
               <a:rPr lang="es-ES" smtClean="0"/>
-              <a:t>30/06/2022</a:t>
+              <a:t>18/07/2024</a:t>
             </a:fld>
             <a:endParaRPr lang="es-ES"/>
           </a:p>
@@ -1738,7 +1738,7 @@
           <a:p>
             <a:fld id="{5ED85047-F0AC-45C9-B1E2-880D42078E4A}" type="datetimeFigureOut">
               <a:rPr lang="es-ES" smtClean="0"/>
-              <a:t>30/06/2022</a:t>
+              <a:t>18/07/2024</a:t>
             </a:fld>
             <a:endParaRPr lang="es-ES"/>
           </a:p>
@@ -2097,7 +2097,7 @@
           <a:p>
             <a:fld id="{5ED85047-F0AC-45C9-B1E2-880D42078E4A}" type="datetimeFigureOut">
               <a:rPr lang="es-ES" smtClean="0"/>
-              <a:t>30/06/2022</a:t>
+              <a:t>18/07/2024</a:t>
             </a:fld>
             <a:endParaRPr lang="es-ES"/>
           </a:p>
@@ -2238,7 +2238,7 @@
           <a:p>
             <a:fld id="{5ED85047-F0AC-45C9-B1E2-880D42078E4A}" type="datetimeFigureOut">
               <a:rPr lang="es-ES" smtClean="0"/>
-              <a:t>30/06/2022</a:t>
+              <a:t>18/07/2024</a:t>
             </a:fld>
             <a:endParaRPr lang="es-ES"/>
           </a:p>
@@ -2333,7 +2333,7 @@
           <a:p>
             <a:fld id="{5ED85047-F0AC-45C9-B1E2-880D42078E4A}" type="datetimeFigureOut">
               <a:rPr lang="es-ES" smtClean="0"/>
-              <a:t>30/06/2022</a:t>
+              <a:t>18/07/2024</a:t>
             </a:fld>
             <a:endParaRPr lang="es-ES"/>
           </a:p>
@@ -2690,7 +2690,7 @@
           <a:p>
             <a:fld id="{5ED85047-F0AC-45C9-B1E2-880D42078E4A}" type="datetimeFigureOut">
               <a:rPr lang="es-ES" smtClean="0"/>
-              <a:t>30/06/2022</a:t>
+              <a:t>18/07/2024</a:t>
             </a:fld>
             <a:endParaRPr lang="es-ES"/>
           </a:p>
@@ -3047,7 +3047,7 @@
           <a:p>
             <a:fld id="{5ED85047-F0AC-45C9-B1E2-880D42078E4A}" type="datetimeFigureOut">
               <a:rPr lang="es-ES" smtClean="0"/>
-              <a:t>30/06/2022</a:t>
+              <a:t>18/07/2024</a:t>
             </a:fld>
             <a:endParaRPr lang="es-ES"/>
           </a:p>
@@ -3289,7 +3289,7 @@
           <a:p>
             <a:fld id="{5ED85047-F0AC-45C9-B1E2-880D42078E4A}" type="datetimeFigureOut">
               <a:rPr lang="es-ES" smtClean="0"/>
-              <a:t>30/06/2022</a:t>
+              <a:t>18/07/2024</a:t>
             </a:fld>
             <a:endParaRPr lang="es-ES"/>
           </a:p>
@@ -4487,7 +4487,7 @@
             <a:pPr algn="ctr"/>
             <a:r>
               <a:rPr lang="es-ES" sz="1400" dirty="0"/>
-              <a:t>HISTORICOS</a:t>
+              <a:t>INVENTARIO</a:t>
             </a:r>
           </a:p>
         </p:txBody>
@@ -6475,1341 +6475,35 @@
       </p:grpSpPr>
       <p:sp>
         <p:nvSpPr>
-          <p:cNvPr id="4" name="Rectángulo 3">
-            <a:extLst>
-              <a:ext uri="{FF2B5EF4-FFF2-40B4-BE49-F238E27FC236}">
-                <a16:creationId xmlns:a16="http://schemas.microsoft.com/office/drawing/2014/main" id="{FB1A1A8E-81B8-8010-922D-402D63B8C4C5}"/>
-              </a:ext>
-            </a:extLst>
-          </p:cNvPr>
-          <p:cNvSpPr/>
-          <p:nvPr/>
-        </p:nvSpPr>
-        <p:spPr>
-          <a:xfrm>
-            <a:off x="2653219" y="848738"/>
-            <a:ext cx="6885562" cy="5160523"/>
-          </a:xfrm>
-          <a:prstGeom prst="rect">
-            <a:avLst/>
-          </a:prstGeom>
-          <a:solidFill>
-            <a:schemeClr val="tx1">
-              <a:lumMod val="95000"/>
-            </a:schemeClr>
-          </a:solidFill>
-        </p:spPr>
-        <p:style>
-          <a:lnRef idx="2">
-            <a:schemeClr val="accent1">
-              <a:shade val="15000"/>
-            </a:schemeClr>
-          </a:lnRef>
-          <a:fillRef idx="1">
-            <a:schemeClr val="accent1"/>
-          </a:fillRef>
-          <a:effectRef idx="0">
-            <a:schemeClr val="accent1"/>
-          </a:effectRef>
-          <a:fontRef idx="minor">
-            <a:schemeClr val="lt1"/>
-          </a:fontRef>
-        </p:style>
-        <p:txBody>
-          <a:bodyPr rtlCol="0" anchor="ctr"/>
-          <a:lstStyle/>
-          <a:p>
-            <a:pPr algn="ctr"/>
-            <a:endParaRPr lang="es-ES"/>
-          </a:p>
-        </p:txBody>
-      </p:sp>
-      <p:sp>
-        <p:nvSpPr>
-          <p:cNvPr id="5" name="Rectángulo 4">
-            <a:extLst>
-              <a:ext uri="{FF2B5EF4-FFF2-40B4-BE49-F238E27FC236}">
-                <a16:creationId xmlns:a16="http://schemas.microsoft.com/office/drawing/2014/main" id="{16152FEA-62B9-B421-458D-20209CA67D36}"/>
-              </a:ext>
-            </a:extLst>
-          </p:cNvPr>
-          <p:cNvSpPr/>
-          <p:nvPr/>
-        </p:nvSpPr>
-        <p:spPr>
-          <a:xfrm>
-            <a:off x="2653219" y="1847025"/>
-            <a:ext cx="6885562" cy="369332"/>
-          </a:xfrm>
-          <a:prstGeom prst="rect">
-            <a:avLst/>
-          </a:prstGeom>
-          <a:solidFill>
-            <a:srgbClr val="FF0000"/>
-          </a:solidFill>
-          <a:ln w="19050">
-            <a:solidFill>
-              <a:srgbClr val="FF0000"/>
-            </a:solidFill>
-          </a:ln>
-        </p:spPr>
-        <p:style>
-          <a:lnRef idx="2">
-            <a:schemeClr val="accent1">
-              <a:shade val="15000"/>
-            </a:schemeClr>
-          </a:lnRef>
-          <a:fillRef idx="1">
-            <a:schemeClr val="accent1"/>
-          </a:fillRef>
-          <a:effectRef idx="0">
-            <a:schemeClr val="accent1"/>
-          </a:effectRef>
-          <a:fontRef idx="minor">
-            <a:schemeClr val="lt1"/>
-          </a:fontRef>
-        </p:style>
-        <p:txBody>
-          <a:bodyPr rtlCol="0" anchor="ctr"/>
-          <a:lstStyle/>
-          <a:p>
-            <a:pPr algn="ctr"/>
-            <a:endParaRPr lang="es-ES"/>
-          </a:p>
-        </p:txBody>
-      </p:sp>
-      <p:sp>
-        <p:nvSpPr>
-          <p:cNvPr id="6" name="CuadroTexto 5">
-            <a:extLst>
-              <a:ext uri="{FF2B5EF4-FFF2-40B4-BE49-F238E27FC236}">
-                <a16:creationId xmlns:a16="http://schemas.microsoft.com/office/drawing/2014/main" id="{8C65A58D-56CC-5606-0450-4C35F2B23FB6}"/>
-              </a:ext>
-            </a:extLst>
-          </p:cNvPr>
-          <p:cNvSpPr txBox="1"/>
-          <p:nvPr/>
-        </p:nvSpPr>
-        <p:spPr>
-          <a:xfrm>
-            <a:off x="2952336" y="1102084"/>
-            <a:ext cx="3143664" cy="646331"/>
-          </a:xfrm>
-          <a:prstGeom prst="rect">
-            <a:avLst/>
-          </a:prstGeom>
-          <a:noFill/>
-        </p:spPr>
-        <p:txBody>
-          <a:bodyPr wrap="square" rtlCol="0">
-            <a:spAutoFit/>
-          </a:bodyPr>
-          <a:lstStyle/>
-          <a:p>
-            <a:r>
-              <a:rPr lang="es-ES" sz="3600" dirty="0">
-                <a:solidFill>
-                  <a:schemeClr val="bg1"/>
-                </a:solidFill>
-              </a:rPr>
-              <a:t>TODO MOTO</a:t>
-            </a:r>
-          </a:p>
-        </p:txBody>
-      </p:sp>
-      <p:sp>
-        <p:nvSpPr>
-          <p:cNvPr id="7" name="CuadroTexto 6">
-            <a:extLst>
-              <a:ext uri="{FF2B5EF4-FFF2-40B4-BE49-F238E27FC236}">
-                <a16:creationId xmlns:a16="http://schemas.microsoft.com/office/drawing/2014/main" id="{20856244-E9A1-3261-6EE4-3830C372114D}"/>
-              </a:ext>
-            </a:extLst>
-          </p:cNvPr>
-          <p:cNvSpPr txBox="1"/>
-          <p:nvPr/>
-        </p:nvSpPr>
-        <p:spPr>
-          <a:xfrm>
-            <a:off x="2952336" y="1857353"/>
-            <a:ext cx="3143664" cy="369332"/>
-          </a:xfrm>
-          <a:prstGeom prst="rect">
-            <a:avLst/>
-          </a:prstGeom>
-          <a:noFill/>
-        </p:spPr>
-        <p:txBody>
-          <a:bodyPr wrap="square" rtlCol="0">
-            <a:spAutoFit/>
-          </a:bodyPr>
-          <a:lstStyle/>
-          <a:p>
-            <a:r>
-              <a:rPr lang="es-ES" dirty="0">
-                <a:solidFill>
-                  <a:schemeClr val="bg1"/>
-                </a:solidFill>
-              </a:rPr>
-              <a:t>Históricos</a:t>
-            </a:r>
-          </a:p>
-        </p:txBody>
-      </p:sp>
-      <p:sp>
-        <p:nvSpPr>
-          <p:cNvPr id="20" name="Rectángulo: esquinas redondeadas 19">
-            <a:extLst>
-              <a:ext uri="{FF2B5EF4-FFF2-40B4-BE49-F238E27FC236}">
-                <a16:creationId xmlns:a16="http://schemas.microsoft.com/office/drawing/2014/main" id="{F5F06C6A-73A0-F65B-45CD-C2C3A5126356}"/>
-              </a:ext>
-            </a:extLst>
-          </p:cNvPr>
-          <p:cNvSpPr/>
-          <p:nvPr/>
-        </p:nvSpPr>
-        <p:spPr>
-          <a:xfrm>
-            <a:off x="2952336" y="2728483"/>
-            <a:ext cx="1561298" cy="244665"/>
-          </a:xfrm>
-          <a:prstGeom prst="roundRect">
-            <a:avLst/>
-          </a:prstGeom>
-          <a:solidFill>
-            <a:schemeClr val="bg2">
-              <a:lumMod val="20000"/>
-              <a:lumOff val="80000"/>
-            </a:schemeClr>
-          </a:solidFill>
-        </p:spPr>
-        <p:style>
-          <a:lnRef idx="2">
-            <a:schemeClr val="accent1">
-              <a:shade val="15000"/>
-            </a:schemeClr>
-          </a:lnRef>
-          <a:fillRef idx="1">
-            <a:schemeClr val="accent1"/>
-          </a:fillRef>
-          <a:effectRef idx="0">
-            <a:schemeClr val="accent1"/>
-          </a:effectRef>
-          <a:fontRef idx="minor">
-            <a:schemeClr val="lt1"/>
-          </a:fontRef>
-        </p:style>
-        <p:txBody>
-          <a:bodyPr rtlCol="0" anchor="ctr"/>
-          <a:lstStyle/>
-          <a:p>
-            <a:pPr algn="ctr"/>
-            <a:endParaRPr lang="es-ES"/>
-          </a:p>
-        </p:txBody>
-      </p:sp>
-      <p:cxnSp>
-        <p:nvCxnSpPr>
-          <p:cNvPr id="21" name="Conector recto 20">
-            <a:extLst>
-              <a:ext uri="{FF2B5EF4-FFF2-40B4-BE49-F238E27FC236}">
-                <a16:creationId xmlns:a16="http://schemas.microsoft.com/office/drawing/2014/main" id="{519BAA60-6AEF-C5B2-D04D-B7CC8D682DE5}"/>
-              </a:ext>
-            </a:extLst>
-          </p:cNvPr>
-          <p:cNvCxnSpPr/>
-          <p:nvPr/>
-        </p:nvCxnSpPr>
-        <p:spPr>
-          <a:xfrm>
-            <a:off x="4805465" y="2382328"/>
-            <a:ext cx="0" cy="3327809"/>
-          </a:xfrm>
-          <a:prstGeom prst="line">
-            <a:avLst/>
-          </a:prstGeom>
-          <a:ln w="19050">
-            <a:solidFill>
-              <a:srgbClr val="FF0000"/>
-            </a:solidFill>
-          </a:ln>
-        </p:spPr>
-        <p:style>
-          <a:lnRef idx="1">
-            <a:schemeClr val="accent1"/>
-          </a:lnRef>
-          <a:fillRef idx="0">
-            <a:schemeClr val="accent1"/>
-          </a:fillRef>
-          <a:effectRef idx="0">
-            <a:schemeClr val="accent1"/>
-          </a:effectRef>
-          <a:fontRef idx="minor">
-            <a:schemeClr val="tx1"/>
-          </a:fontRef>
-        </p:style>
-      </p:cxnSp>
-      <p:sp>
-        <p:nvSpPr>
-          <p:cNvPr id="22" name="Rectángulo: esquinas redondeadas 21">
-            <a:extLst>
-              <a:ext uri="{FF2B5EF4-FFF2-40B4-BE49-F238E27FC236}">
-                <a16:creationId xmlns:a16="http://schemas.microsoft.com/office/drawing/2014/main" id="{EBEB5255-4858-0571-7EE2-5EE31291EAAB}"/>
-              </a:ext>
-            </a:extLst>
-          </p:cNvPr>
-          <p:cNvSpPr/>
-          <p:nvPr/>
-        </p:nvSpPr>
-        <p:spPr>
-          <a:xfrm>
-            <a:off x="2948809" y="3028376"/>
-            <a:ext cx="1020073" cy="314104"/>
-          </a:xfrm>
-          <a:prstGeom prst="roundRect">
-            <a:avLst/>
-          </a:prstGeom>
-          <a:solidFill>
-            <a:schemeClr val="bg1">
-              <a:lumMod val="95000"/>
-              <a:lumOff val="5000"/>
-            </a:schemeClr>
-          </a:solidFill>
-        </p:spPr>
-        <p:style>
-          <a:lnRef idx="2">
-            <a:schemeClr val="accent1">
-              <a:shade val="15000"/>
-            </a:schemeClr>
-          </a:lnRef>
-          <a:fillRef idx="1">
-            <a:schemeClr val="accent1"/>
-          </a:fillRef>
-          <a:effectRef idx="0">
-            <a:schemeClr val="accent1"/>
-          </a:effectRef>
-          <a:fontRef idx="minor">
-            <a:schemeClr val="lt1"/>
-          </a:fontRef>
-        </p:style>
-        <p:txBody>
-          <a:bodyPr rtlCol="0" anchor="ctr"/>
-          <a:lstStyle/>
-          <a:p>
-            <a:r>
-              <a:rPr lang="es-ES" sz="1400" dirty="0">
-                <a:solidFill>
-                  <a:srgbClr val="FFFF00"/>
-                </a:solidFill>
-              </a:rPr>
-              <a:t>Buscar</a:t>
-            </a:r>
-          </a:p>
-        </p:txBody>
-      </p:sp>
-      <p:sp>
-        <p:nvSpPr>
-          <p:cNvPr id="23" name="Rectángulo: esquinas redondeadas 22">
-            <a:extLst>
-              <a:ext uri="{FF2B5EF4-FFF2-40B4-BE49-F238E27FC236}">
-                <a16:creationId xmlns:a16="http://schemas.microsoft.com/office/drawing/2014/main" id="{CDD1251D-7F4D-9CA6-A770-E35B801E9D23}"/>
-              </a:ext>
-            </a:extLst>
-          </p:cNvPr>
-          <p:cNvSpPr/>
-          <p:nvPr/>
-        </p:nvSpPr>
-        <p:spPr>
-          <a:xfrm>
-            <a:off x="5622199" y="2649392"/>
-            <a:ext cx="947601" cy="314104"/>
-          </a:xfrm>
-          <a:prstGeom prst="roundRect">
-            <a:avLst/>
-          </a:prstGeom>
-          <a:solidFill>
-            <a:schemeClr val="bg1">
-              <a:lumMod val="95000"/>
-              <a:lumOff val="5000"/>
-            </a:schemeClr>
-          </a:solidFill>
-        </p:spPr>
-        <p:style>
-          <a:lnRef idx="2">
-            <a:schemeClr val="accent1">
-              <a:shade val="15000"/>
-            </a:schemeClr>
-          </a:lnRef>
-          <a:fillRef idx="1">
-            <a:schemeClr val="accent1"/>
-          </a:fillRef>
-          <a:effectRef idx="0">
-            <a:schemeClr val="accent1"/>
-          </a:effectRef>
-          <a:fontRef idx="minor">
-            <a:schemeClr val="lt1"/>
-          </a:fontRef>
-        </p:style>
-        <p:txBody>
-          <a:bodyPr rtlCol="0" anchor="ctr"/>
-          <a:lstStyle/>
-          <a:p>
-            <a:pPr algn="ctr"/>
-            <a:r>
-              <a:rPr lang="es-ES" sz="1400" dirty="0">
-                <a:solidFill>
-                  <a:srgbClr val="FFFF00"/>
-                </a:solidFill>
-              </a:rPr>
-              <a:t>Compras</a:t>
-            </a:r>
-          </a:p>
-        </p:txBody>
-      </p:sp>
-      <p:sp>
-        <p:nvSpPr>
-          <p:cNvPr id="24" name="Rectángulo: esquinas redondeadas 23">
-            <a:extLst>
-              <a:ext uri="{FF2B5EF4-FFF2-40B4-BE49-F238E27FC236}">
-                <a16:creationId xmlns:a16="http://schemas.microsoft.com/office/drawing/2014/main" id="{3C7F7B12-0C9F-C0FA-2533-00C6F15FB484}"/>
-              </a:ext>
-            </a:extLst>
-          </p:cNvPr>
-          <p:cNvSpPr/>
-          <p:nvPr/>
-        </p:nvSpPr>
-        <p:spPr>
-          <a:xfrm>
-            <a:off x="6887440" y="2642764"/>
-            <a:ext cx="947601" cy="314104"/>
-          </a:xfrm>
-          <a:prstGeom prst="roundRect">
-            <a:avLst/>
-          </a:prstGeom>
-          <a:solidFill>
-            <a:schemeClr val="bg1">
-              <a:lumMod val="95000"/>
-              <a:lumOff val="5000"/>
-            </a:schemeClr>
-          </a:solidFill>
-        </p:spPr>
-        <p:style>
-          <a:lnRef idx="2">
-            <a:schemeClr val="accent1">
-              <a:shade val="15000"/>
-            </a:schemeClr>
-          </a:lnRef>
-          <a:fillRef idx="1">
-            <a:schemeClr val="accent1"/>
-          </a:fillRef>
-          <a:effectRef idx="0">
-            <a:schemeClr val="accent1"/>
-          </a:effectRef>
-          <a:fontRef idx="minor">
-            <a:schemeClr val="lt1"/>
-          </a:fontRef>
-        </p:style>
-        <p:txBody>
-          <a:bodyPr rtlCol="0" anchor="ctr"/>
-          <a:lstStyle/>
-          <a:p>
-            <a:pPr algn="ctr"/>
-            <a:r>
-              <a:rPr lang="es-ES" sz="1400" dirty="0">
-                <a:solidFill>
-                  <a:srgbClr val="FFFF00"/>
-                </a:solidFill>
-              </a:rPr>
-              <a:t>Ventas</a:t>
-            </a:r>
-          </a:p>
-        </p:txBody>
-      </p:sp>
-      <p:grpSp>
-        <p:nvGrpSpPr>
-          <p:cNvPr id="18" name="Grupo 17">
-            <a:extLst>
-              <a:ext uri="{FF2B5EF4-FFF2-40B4-BE49-F238E27FC236}">
-                <a16:creationId xmlns:a16="http://schemas.microsoft.com/office/drawing/2014/main" id="{F41A45CC-F302-05FD-36D4-E7E84926DAF7}"/>
-              </a:ext>
-            </a:extLst>
-          </p:cNvPr>
-          <p:cNvGrpSpPr/>
-          <p:nvPr/>
-        </p:nvGrpSpPr>
-        <p:grpSpPr>
-          <a:xfrm>
-            <a:off x="5315397" y="3375081"/>
-            <a:ext cx="3386260" cy="1609385"/>
-            <a:chOff x="5264582" y="3170584"/>
-            <a:chExt cx="3386260" cy="1609385"/>
-          </a:xfrm>
-        </p:grpSpPr>
-        <p:sp>
-          <p:nvSpPr>
-            <p:cNvPr id="8" name="CuadroTexto 7">
-              <a:extLst>
-                <a:ext uri="{FF2B5EF4-FFF2-40B4-BE49-F238E27FC236}">
-                  <a16:creationId xmlns:a16="http://schemas.microsoft.com/office/drawing/2014/main" id="{BE45793C-F142-4B68-376B-6F777C7DCF3D}"/>
-                </a:ext>
-              </a:extLst>
-            </p:cNvPr>
-            <p:cNvSpPr txBox="1"/>
-            <p:nvPr/>
-          </p:nvSpPr>
-          <p:spPr>
-            <a:xfrm>
-              <a:off x="5264582" y="3170584"/>
-              <a:ext cx="1371012" cy="369332"/>
-            </a:xfrm>
-            <a:prstGeom prst="rect">
-              <a:avLst/>
-            </a:prstGeom>
-            <a:noFill/>
-          </p:spPr>
-          <p:txBody>
-            <a:bodyPr wrap="square" rtlCol="0">
-              <a:spAutoFit/>
-            </a:bodyPr>
-            <a:lstStyle/>
-            <a:p>
-              <a:r>
-                <a:rPr lang="es-ES" dirty="0">
-                  <a:solidFill>
-                    <a:schemeClr val="bg1"/>
-                  </a:solidFill>
-                </a:rPr>
-                <a:t>ID Historial:</a:t>
-              </a:r>
-            </a:p>
-          </p:txBody>
-        </p:sp>
-        <p:sp>
-          <p:nvSpPr>
-            <p:cNvPr id="9" name="CuadroTexto 8">
-              <a:extLst>
-                <a:ext uri="{FF2B5EF4-FFF2-40B4-BE49-F238E27FC236}">
-                  <a16:creationId xmlns:a16="http://schemas.microsoft.com/office/drawing/2014/main" id="{B3490407-C7FC-9937-1D16-2B2E53BEC23F}"/>
-                </a:ext>
-              </a:extLst>
-            </p:cNvPr>
-            <p:cNvSpPr txBox="1"/>
-            <p:nvPr/>
-          </p:nvSpPr>
-          <p:spPr>
-            <a:xfrm>
-              <a:off x="5264582" y="3583935"/>
-              <a:ext cx="1371012" cy="369332"/>
-            </a:xfrm>
-            <a:prstGeom prst="rect">
-              <a:avLst/>
-            </a:prstGeom>
-            <a:noFill/>
-          </p:spPr>
-          <p:txBody>
-            <a:bodyPr wrap="square" rtlCol="0">
-              <a:spAutoFit/>
-            </a:bodyPr>
-            <a:lstStyle/>
-            <a:p>
-              <a:r>
-                <a:rPr lang="es-ES" dirty="0">
-                  <a:solidFill>
-                    <a:schemeClr val="bg1"/>
-                  </a:solidFill>
-                </a:rPr>
-                <a:t>Fecha:</a:t>
-              </a:r>
-            </a:p>
-          </p:txBody>
-        </p:sp>
-        <p:sp>
-          <p:nvSpPr>
-            <p:cNvPr id="10" name="CuadroTexto 9">
-              <a:extLst>
-                <a:ext uri="{FF2B5EF4-FFF2-40B4-BE49-F238E27FC236}">
-                  <a16:creationId xmlns:a16="http://schemas.microsoft.com/office/drawing/2014/main" id="{B11C07FF-41C4-60A6-8FF0-57C991A4271D}"/>
-                </a:ext>
-              </a:extLst>
-            </p:cNvPr>
-            <p:cNvSpPr txBox="1"/>
-            <p:nvPr/>
-          </p:nvSpPr>
-          <p:spPr>
-            <a:xfrm>
-              <a:off x="5264582" y="3997286"/>
-              <a:ext cx="1371012" cy="369332"/>
-            </a:xfrm>
-            <a:prstGeom prst="rect">
-              <a:avLst/>
-            </a:prstGeom>
-            <a:noFill/>
-          </p:spPr>
-          <p:txBody>
-            <a:bodyPr wrap="square" rtlCol="0">
-              <a:spAutoFit/>
-            </a:bodyPr>
-            <a:lstStyle/>
-            <a:p>
-              <a:r>
-                <a:rPr lang="es-ES" dirty="0">
-                  <a:solidFill>
-                    <a:schemeClr val="bg1"/>
-                  </a:solidFill>
-                </a:rPr>
-                <a:t>Tipo:</a:t>
-              </a:r>
-            </a:p>
-          </p:txBody>
-        </p:sp>
-        <p:sp>
-          <p:nvSpPr>
-            <p:cNvPr id="11" name="CuadroTexto 10">
-              <a:extLst>
-                <a:ext uri="{FF2B5EF4-FFF2-40B4-BE49-F238E27FC236}">
-                  <a16:creationId xmlns:a16="http://schemas.microsoft.com/office/drawing/2014/main" id="{4DDD9D70-EC54-C3AF-6A01-4EB447576038}"/>
-                </a:ext>
-              </a:extLst>
-            </p:cNvPr>
-            <p:cNvSpPr txBox="1"/>
-            <p:nvPr/>
-          </p:nvSpPr>
-          <p:spPr>
-            <a:xfrm>
-              <a:off x="5264582" y="4410637"/>
-              <a:ext cx="1371012" cy="369332"/>
-            </a:xfrm>
-            <a:prstGeom prst="rect">
-              <a:avLst/>
-            </a:prstGeom>
-            <a:noFill/>
-          </p:spPr>
-          <p:txBody>
-            <a:bodyPr wrap="square" rtlCol="0">
-              <a:spAutoFit/>
-            </a:bodyPr>
-            <a:lstStyle/>
-            <a:p>
-              <a:r>
-                <a:rPr lang="es-ES" dirty="0">
-                  <a:solidFill>
-                    <a:schemeClr val="bg1"/>
-                  </a:solidFill>
-                </a:rPr>
-                <a:t>Monto:</a:t>
-              </a:r>
-            </a:p>
-          </p:txBody>
-        </p:sp>
-        <p:sp>
-          <p:nvSpPr>
-            <p:cNvPr id="14" name="Rectángulo: esquinas redondeadas 13">
-              <a:extLst>
-                <a:ext uri="{FF2B5EF4-FFF2-40B4-BE49-F238E27FC236}">
-                  <a16:creationId xmlns:a16="http://schemas.microsoft.com/office/drawing/2014/main" id="{0B588989-932E-A58D-F513-7163F67E89CF}"/>
-                </a:ext>
-              </a:extLst>
-            </p:cNvPr>
-            <p:cNvSpPr/>
-            <p:nvPr/>
-          </p:nvSpPr>
-          <p:spPr>
-            <a:xfrm>
-              <a:off x="6635594" y="3170584"/>
-              <a:ext cx="2015248" cy="325376"/>
-            </a:xfrm>
-            <a:prstGeom prst="roundRect">
-              <a:avLst/>
-            </a:prstGeom>
-            <a:solidFill>
-              <a:schemeClr val="bg2">
-                <a:lumMod val="20000"/>
-                <a:lumOff val="80000"/>
-              </a:schemeClr>
-            </a:solidFill>
-          </p:spPr>
-          <p:style>
-            <a:lnRef idx="2">
-              <a:schemeClr val="accent1">
-                <a:shade val="15000"/>
-              </a:schemeClr>
-            </a:lnRef>
-            <a:fillRef idx="1">
-              <a:schemeClr val="accent1"/>
-            </a:fillRef>
-            <a:effectRef idx="0">
-              <a:schemeClr val="accent1"/>
-            </a:effectRef>
-            <a:fontRef idx="minor">
-              <a:schemeClr val="lt1"/>
-            </a:fontRef>
-          </p:style>
-          <p:txBody>
-            <a:bodyPr rtlCol="0" anchor="ctr"/>
-            <a:lstStyle/>
-            <a:p>
-              <a:pPr algn="ctr"/>
-              <a:endParaRPr lang="es-ES"/>
-            </a:p>
-          </p:txBody>
-        </p:sp>
-        <p:sp>
-          <p:nvSpPr>
-            <p:cNvPr id="15" name="Rectángulo: esquinas redondeadas 14">
-              <a:extLst>
-                <a:ext uri="{FF2B5EF4-FFF2-40B4-BE49-F238E27FC236}">
-                  <a16:creationId xmlns:a16="http://schemas.microsoft.com/office/drawing/2014/main" id="{AA77F933-0365-A772-F804-EF7BE8A49264}"/>
-                </a:ext>
-              </a:extLst>
-            </p:cNvPr>
-            <p:cNvSpPr/>
-            <p:nvPr/>
-          </p:nvSpPr>
-          <p:spPr>
-            <a:xfrm>
-              <a:off x="6635594" y="3587086"/>
-              <a:ext cx="2015248" cy="325376"/>
-            </a:xfrm>
-            <a:prstGeom prst="roundRect">
-              <a:avLst/>
-            </a:prstGeom>
-            <a:solidFill>
-              <a:schemeClr val="bg2">
-                <a:lumMod val="20000"/>
-                <a:lumOff val="80000"/>
-              </a:schemeClr>
-            </a:solidFill>
-          </p:spPr>
-          <p:style>
-            <a:lnRef idx="2">
-              <a:schemeClr val="accent1">
-                <a:shade val="15000"/>
-              </a:schemeClr>
-            </a:lnRef>
-            <a:fillRef idx="1">
-              <a:schemeClr val="accent1"/>
-            </a:fillRef>
-            <a:effectRef idx="0">
-              <a:schemeClr val="accent1"/>
-            </a:effectRef>
-            <a:fontRef idx="minor">
-              <a:schemeClr val="lt1"/>
-            </a:fontRef>
-          </p:style>
-          <p:txBody>
-            <a:bodyPr rtlCol="0" anchor="ctr"/>
-            <a:lstStyle/>
-            <a:p>
-              <a:pPr algn="ctr"/>
-              <a:endParaRPr lang="es-ES"/>
-            </a:p>
-          </p:txBody>
-        </p:sp>
-        <p:sp>
-          <p:nvSpPr>
-            <p:cNvPr id="16" name="Rectángulo: esquinas redondeadas 15">
-              <a:extLst>
-                <a:ext uri="{FF2B5EF4-FFF2-40B4-BE49-F238E27FC236}">
-                  <a16:creationId xmlns:a16="http://schemas.microsoft.com/office/drawing/2014/main" id="{D59231E5-C1E0-43FF-A4D8-43B65420FD26}"/>
-                </a:ext>
-              </a:extLst>
-            </p:cNvPr>
-            <p:cNvSpPr/>
-            <p:nvPr/>
-          </p:nvSpPr>
-          <p:spPr>
-            <a:xfrm>
-              <a:off x="6635594" y="4003588"/>
-              <a:ext cx="2015248" cy="325376"/>
-            </a:xfrm>
-            <a:prstGeom prst="roundRect">
-              <a:avLst/>
-            </a:prstGeom>
-            <a:solidFill>
-              <a:schemeClr val="bg2">
-                <a:lumMod val="20000"/>
-                <a:lumOff val="80000"/>
-              </a:schemeClr>
-            </a:solidFill>
-          </p:spPr>
-          <p:style>
-            <a:lnRef idx="2">
-              <a:schemeClr val="accent1">
-                <a:shade val="15000"/>
-              </a:schemeClr>
-            </a:lnRef>
-            <a:fillRef idx="1">
-              <a:schemeClr val="accent1"/>
-            </a:fillRef>
-            <a:effectRef idx="0">
-              <a:schemeClr val="accent1"/>
-            </a:effectRef>
-            <a:fontRef idx="minor">
-              <a:schemeClr val="lt1"/>
-            </a:fontRef>
-          </p:style>
-          <p:txBody>
-            <a:bodyPr rtlCol="0" anchor="ctr"/>
-            <a:lstStyle/>
-            <a:p>
-              <a:pPr algn="ctr"/>
-              <a:endParaRPr lang="es-ES"/>
-            </a:p>
-          </p:txBody>
-        </p:sp>
-        <p:sp>
-          <p:nvSpPr>
-            <p:cNvPr id="17" name="Rectángulo: esquinas redondeadas 16">
-              <a:extLst>
-                <a:ext uri="{FF2B5EF4-FFF2-40B4-BE49-F238E27FC236}">
-                  <a16:creationId xmlns:a16="http://schemas.microsoft.com/office/drawing/2014/main" id="{BB4BA438-C5F1-A8F9-B18B-A407BB1D2DAB}"/>
-                </a:ext>
-              </a:extLst>
-            </p:cNvPr>
-            <p:cNvSpPr/>
-            <p:nvPr/>
-          </p:nvSpPr>
-          <p:spPr>
-            <a:xfrm>
-              <a:off x="6635594" y="4414111"/>
-              <a:ext cx="2015248" cy="325376"/>
-            </a:xfrm>
-            <a:prstGeom prst="roundRect">
-              <a:avLst/>
-            </a:prstGeom>
-            <a:solidFill>
-              <a:schemeClr val="bg2">
-                <a:lumMod val="20000"/>
-                <a:lumOff val="80000"/>
-              </a:schemeClr>
-            </a:solidFill>
-          </p:spPr>
-          <p:style>
-            <a:lnRef idx="2">
-              <a:schemeClr val="accent1">
-                <a:shade val="15000"/>
-              </a:schemeClr>
-            </a:lnRef>
-            <a:fillRef idx="1">
-              <a:schemeClr val="accent1"/>
-            </a:fillRef>
-            <a:effectRef idx="0">
-              <a:schemeClr val="accent1"/>
-            </a:effectRef>
-            <a:fontRef idx="minor">
-              <a:schemeClr val="lt1"/>
-            </a:fontRef>
-          </p:style>
-          <p:txBody>
-            <a:bodyPr rtlCol="0" anchor="ctr"/>
-            <a:lstStyle/>
-            <a:p>
-              <a:pPr algn="ctr"/>
-              <a:endParaRPr lang="es-ES"/>
-            </a:p>
-          </p:txBody>
-        </p:sp>
-      </p:grpSp>
-      <p:sp>
-        <p:nvSpPr>
-          <p:cNvPr id="25" name="Rectángulo: esquinas redondeadas 24">
-            <a:extLst>
-              <a:ext uri="{FF2B5EF4-FFF2-40B4-BE49-F238E27FC236}">
-                <a16:creationId xmlns:a16="http://schemas.microsoft.com/office/drawing/2014/main" id="{A11E6F13-014F-CD7E-6943-6CC173D6B582}"/>
-              </a:ext>
-            </a:extLst>
-          </p:cNvPr>
-          <p:cNvSpPr/>
-          <p:nvPr/>
-        </p:nvSpPr>
-        <p:spPr>
-          <a:xfrm>
-            <a:off x="6245422" y="5413108"/>
-            <a:ext cx="1020073" cy="314104"/>
-          </a:xfrm>
-          <a:prstGeom prst="roundRect">
-            <a:avLst/>
-          </a:prstGeom>
-          <a:solidFill>
-            <a:schemeClr val="bg1">
-              <a:lumMod val="95000"/>
-              <a:lumOff val="5000"/>
-            </a:schemeClr>
-          </a:solidFill>
-        </p:spPr>
-        <p:style>
-          <a:lnRef idx="2">
-            <a:schemeClr val="accent1">
-              <a:shade val="15000"/>
-            </a:schemeClr>
-          </a:lnRef>
-          <a:fillRef idx="1">
-            <a:schemeClr val="accent1"/>
-          </a:fillRef>
-          <a:effectRef idx="0">
-            <a:schemeClr val="accent1"/>
-          </a:effectRef>
-          <a:fontRef idx="minor">
-            <a:schemeClr val="lt1"/>
-          </a:fontRef>
-        </p:style>
-        <p:txBody>
-          <a:bodyPr rtlCol="0" anchor="ctr"/>
-          <a:lstStyle/>
-          <a:p>
-            <a:pPr algn="ctr"/>
-            <a:r>
-              <a:rPr lang="es-ES" sz="1200" dirty="0">
-                <a:solidFill>
-                  <a:srgbClr val="FFFF00"/>
-                </a:solidFill>
-              </a:rPr>
-              <a:t>DETALLES</a:t>
-            </a:r>
-          </a:p>
-        </p:txBody>
-      </p:sp>
-      <p:sp>
-        <p:nvSpPr>
-          <p:cNvPr id="26" name="Rectángulo: esquinas redondeadas 25">
-            <a:hlinkClick r:id="rId2" action="ppaction://hlinksldjump"/>
-            <a:extLst>
-              <a:ext uri="{FF2B5EF4-FFF2-40B4-BE49-F238E27FC236}">
-                <a16:creationId xmlns:a16="http://schemas.microsoft.com/office/drawing/2014/main" id="{3C255F3D-0032-9471-E73D-837E3B6C1DF1}"/>
-              </a:ext>
-            </a:extLst>
-          </p:cNvPr>
-          <p:cNvSpPr/>
-          <p:nvPr/>
-        </p:nvSpPr>
-        <p:spPr>
-          <a:xfrm>
-            <a:off x="7535956" y="5413108"/>
-            <a:ext cx="1020073" cy="314104"/>
-          </a:xfrm>
-          <a:prstGeom prst="roundRect">
-            <a:avLst/>
-          </a:prstGeom>
-          <a:solidFill>
-            <a:schemeClr val="bg1">
-              <a:lumMod val="95000"/>
-              <a:lumOff val="5000"/>
-            </a:schemeClr>
-          </a:solidFill>
-        </p:spPr>
-        <p:style>
-          <a:lnRef idx="2">
-            <a:schemeClr val="accent1">
-              <a:shade val="15000"/>
-            </a:schemeClr>
-          </a:lnRef>
-          <a:fillRef idx="1">
-            <a:schemeClr val="accent1"/>
-          </a:fillRef>
-          <a:effectRef idx="0">
-            <a:schemeClr val="accent1"/>
-          </a:effectRef>
-          <a:fontRef idx="minor">
-            <a:schemeClr val="lt1"/>
-          </a:fontRef>
-        </p:style>
-        <p:txBody>
-          <a:bodyPr rtlCol="0" anchor="ctr"/>
-          <a:lstStyle/>
-          <a:p>
-            <a:pPr algn="ctr"/>
-            <a:r>
-              <a:rPr lang="es-ES" sz="1200" dirty="0">
-                <a:solidFill>
-                  <a:srgbClr val="FFFF00"/>
-                </a:solidFill>
-              </a:rPr>
-              <a:t>MENU</a:t>
-            </a:r>
-          </a:p>
-        </p:txBody>
-      </p:sp>
-      <p:sp>
-        <p:nvSpPr>
-          <p:cNvPr id="27" name="Bocadillo: rectángulo 26">
-            <a:extLst>
-              <a:ext uri="{FF2B5EF4-FFF2-40B4-BE49-F238E27FC236}">
-                <a16:creationId xmlns:a16="http://schemas.microsoft.com/office/drawing/2014/main" id="{00A0AA64-77DB-5727-AFD5-F6258F185B4A}"/>
-              </a:ext>
-            </a:extLst>
-          </p:cNvPr>
-          <p:cNvSpPr/>
-          <p:nvPr/>
-        </p:nvSpPr>
-        <p:spPr>
-          <a:xfrm>
-            <a:off x="2959414" y="4632111"/>
-            <a:ext cx="1561293" cy="1057456"/>
-          </a:xfrm>
-          <a:prstGeom prst="wedgeRectCallout">
-            <a:avLst/>
-          </a:prstGeom>
-          <a:solidFill>
-            <a:srgbClr val="FF0000"/>
-          </a:solidFill>
-          <a:ln w="28575">
-            <a:solidFill>
-              <a:schemeClr val="bg2"/>
-            </a:solidFill>
-          </a:ln>
-        </p:spPr>
-        <p:style>
-          <a:lnRef idx="2">
-            <a:schemeClr val="accent1">
-              <a:shade val="15000"/>
-            </a:schemeClr>
-          </a:lnRef>
-          <a:fillRef idx="1">
-            <a:schemeClr val="accent1"/>
-          </a:fillRef>
-          <a:effectRef idx="0">
-            <a:schemeClr val="accent1"/>
-          </a:effectRef>
-          <a:fontRef idx="minor">
-            <a:schemeClr val="lt1"/>
-          </a:fontRef>
-        </p:style>
-        <p:txBody>
-          <a:bodyPr rtlCol="0" anchor="ctr"/>
-          <a:lstStyle/>
-          <a:p>
-            <a:pPr algn="ctr"/>
-            <a:r>
-              <a:rPr lang="es-ES" sz="1600" dirty="0">
-                <a:solidFill>
-                  <a:srgbClr val="002060"/>
-                </a:solidFill>
-              </a:rPr>
-              <a:t>Acción Realizada</a:t>
-            </a:r>
-          </a:p>
-        </p:txBody>
-      </p:sp>
-      <p:sp>
-        <p:nvSpPr>
-          <p:cNvPr id="28" name="Bocadillo: rectángulo 27">
-            <a:extLst>
-              <a:ext uri="{FF2B5EF4-FFF2-40B4-BE49-F238E27FC236}">
-                <a16:creationId xmlns:a16="http://schemas.microsoft.com/office/drawing/2014/main" id="{7327647A-365B-ECC9-4CC0-3897D8CB6B12}"/>
-              </a:ext>
-            </a:extLst>
-          </p:cNvPr>
-          <p:cNvSpPr/>
-          <p:nvPr/>
-        </p:nvSpPr>
-        <p:spPr>
-          <a:xfrm>
-            <a:off x="2959413" y="4631316"/>
-            <a:ext cx="1561293" cy="1057456"/>
-          </a:xfrm>
-          <a:prstGeom prst="wedgeRectCallout">
-            <a:avLst/>
-          </a:prstGeom>
-          <a:solidFill>
-            <a:srgbClr val="0DFF7A"/>
-          </a:solidFill>
-          <a:ln w="28575">
-            <a:solidFill>
-              <a:schemeClr val="bg2"/>
-            </a:solidFill>
-          </a:ln>
-        </p:spPr>
-        <p:style>
-          <a:lnRef idx="2">
-            <a:schemeClr val="accent1">
-              <a:shade val="15000"/>
-            </a:schemeClr>
-          </a:lnRef>
-          <a:fillRef idx="1">
-            <a:schemeClr val="accent1"/>
-          </a:fillRef>
-          <a:effectRef idx="0">
-            <a:schemeClr val="accent1"/>
-          </a:effectRef>
-          <a:fontRef idx="minor">
-            <a:schemeClr val="lt1"/>
-          </a:fontRef>
-        </p:style>
-        <p:txBody>
-          <a:bodyPr rtlCol="0" anchor="ctr"/>
-          <a:lstStyle/>
-          <a:p>
-            <a:pPr algn="ctr"/>
-            <a:r>
-              <a:rPr lang="es-ES" sz="1600" dirty="0">
-                <a:solidFill>
-                  <a:srgbClr val="002060"/>
-                </a:solidFill>
-              </a:rPr>
-              <a:t>Acción Realizada</a:t>
-            </a:r>
-          </a:p>
-        </p:txBody>
-      </p:sp>
-      <p:sp>
-        <p:nvSpPr>
-          <p:cNvPr id="29" name="Bocadillo: rectángulo 28">
-            <a:extLst>
-              <a:ext uri="{FF2B5EF4-FFF2-40B4-BE49-F238E27FC236}">
-                <a16:creationId xmlns:a16="http://schemas.microsoft.com/office/drawing/2014/main" id="{6761E4DB-FCEF-E16B-28CA-A427AC816670}"/>
-              </a:ext>
-            </a:extLst>
-          </p:cNvPr>
-          <p:cNvSpPr/>
-          <p:nvPr/>
-        </p:nvSpPr>
-        <p:spPr>
-          <a:xfrm>
-            <a:off x="2952341" y="4630521"/>
-            <a:ext cx="1561293" cy="1057456"/>
-          </a:xfrm>
-          <a:prstGeom prst="wedgeRectCallout">
-            <a:avLst/>
-          </a:prstGeom>
-          <a:solidFill>
-            <a:srgbClr val="00B0F0"/>
-          </a:solidFill>
-          <a:ln w="28575">
-            <a:solidFill>
-              <a:schemeClr val="bg2"/>
-            </a:solidFill>
-          </a:ln>
-        </p:spPr>
-        <p:style>
-          <a:lnRef idx="2">
-            <a:schemeClr val="accent1">
-              <a:shade val="15000"/>
-            </a:schemeClr>
-          </a:lnRef>
-          <a:fillRef idx="1">
-            <a:schemeClr val="accent1"/>
-          </a:fillRef>
-          <a:effectRef idx="0">
-            <a:schemeClr val="accent1"/>
-          </a:effectRef>
-          <a:fontRef idx="minor">
-            <a:schemeClr val="lt1"/>
-          </a:fontRef>
-        </p:style>
-        <p:txBody>
-          <a:bodyPr rtlCol="0" anchor="ctr"/>
-          <a:lstStyle/>
-          <a:p>
-            <a:pPr algn="ctr"/>
-            <a:r>
-              <a:rPr lang="es-ES" sz="1600" dirty="0">
-                <a:solidFill>
-                  <a:srgbClr val="002060"/>
-                </a:solidFill>
-              </a:rPr>
-              <a:t>Acción Realizada</a:t>
-            </a:r>
-          </a:p>
-        </p:txBody>
-      </p:sp>
-      <p:sp>
-        <p:nvSpPr>
-          <p:cNvPr id="30" name="Bocadillo: rectángulo 29">
-            <a:extLst>
-              <a:ext uri="{FF2B5EF4-FFF2-40B4-BE49-F238E27FC236}">
-                <a16:creationId xmlns:a16="http://schemas.microsoft.com/office/drawing/2014/main" id="{7DC30C97-E9F0-063D-06DF-80B1CE2AB23A}"/>
-              </a:ext>
-            </a:extLst>
-          </p:cNvPr>
-          <p:cNvSpPr/>
-          <p:nvPr/>
-        </p:nvSpPr>
-        <p:spPr>
-          <a:xfrm>
-            <a:off x="2955587" y="4628931"/>
-            <a:ext cx="1561293" cy="1057456"/>
-          </a:xfrm>
-          <a:prstGeom prst="wedgeRectCallout">
-            <a:avLst/>
-          </a:prstGeom>
-          <a:solidFill>
-            <a:schemeClr val="accent1"/>
-          </a:solidFill>
-          <a:ln w="28575">
-            <a:solidFill>
-              <a:schemeClr val="bg2"/>
-            </a:solidFill>
-          </a:ln>
-        </p:spPr>
-        <p:style>
-          <a:lnRef idx="2">
-            <a:schemeClr val="accent1">
-              <a:shade val="15000"/>
-            </a:schemeClr>
-          </a:lnRef>
-          <a:fillRef idx="1">
-            <a:schemeClr val="accent1"/>
-          </a:fillRef>
-          <a:effectRef idx="0">
-            <a:schemeClr val="accent1"/>
-          </a:effectRef>
-          <a:fontRef idx="minor">
-            <a:schemeClr val="lt1"/>
-          </a:fontRef>
-        </p:style>
-        <p:txBody>
-          <a:bodyPr rtlCol="0" anchor="ctr"/>
-          <a:lstStyle/>
-          <a:p>
-            <a:pPr algn="ctr"/>
-            <a:r>
-              <a:rPr lang="es-ES" sz="1600" dirty="0">
-                <a:solidFill>
-                  <a:srgbClr val="002060"/>
-                </a:solidFill>
-              </a:rPr>
-              <a:t>Acción Realizada</a:t>
-            </a:r>
-          </a:p>
-        </p:txBody>
-      </p:sp>
-      <p:sp>
-        <p:nvSpPr>
-          <p:cNvPr id="3" name="CuadroTexto 2">
-            <a:extLst>
-              <a:ext uri="{FF2B5EF4-FFF2-40B4-BE49-F238E27FC236}">
-                <a16:creationId xmlns:a16="http://schemas.microsoft.com/office/drawing/2014/main" id="{A1FD41FB-97BC-912F-7FA2-A28D604666F6}"/>
-              </a:ext>
-            </a:extLst>
-          </p:cNvPr>
-          <p:cNvSpPr txBox="1"/>
-          <p:nvPr/>
-        </p:nvSpPr>
-        <p:spPr>
-          <a:xfrm>
-            <a:off x="2876151" y="2483867"/>
-            <a:ext cx="1371012" cy="276999"/>
-          </a:xfrm>
-          <a:prstGeom prst="rect">
-            <a:avLst/>
-          </a:prstGeom>
-          <a:noFill/>
-        </p:spPr>
-        <p:txBody>
-          <a:bodyPr wrap="square" rtlCol="0">
-            <a:spAutoFit/>
-          </a:bodyPr>
-          <a:lstStyle/>
-          <a:p>
-            <a:r>
-              <a:rPr lang="es-ES" sz="1200" dirty="0">
-                <a:solidFill>
-                  <a:schemeClr val="bg1"/>
-                </a:solidFill>
-              </a:rPr>
-              <a:t>Fecha:</a:t>
-            </a:r>
-          </a:p>
-        </p:txBody>
-      </p:sp>
-      <p:sp>
-        <p:nvSpPr>
-          <p:cNvPr id="19" name="CuadroTexto 18">
-            <a:extLst>
-              <a:ext uri="{FF2B5EF4-FFF2-40B4-BE49-F238E27FC236}">
-                <a16:creationId xmlns:a16="http://schemas.microsoft.com/office/drawing/2014/main" id="{8829EE3F-473B-5161-83DC-81BA303E221A}"/>
-              </a:ext>
-            </a:extLst>
-          </p:cNvPr>
-          <p:cNvSpPr txBox="1"/>
-          <p:nvPr/>
-        </p:nvSpPr>
-        <p:spPr>
-          <a:xfrm>
-            <a:off x="4902804" y="2368268"/>
-            <a:ext cx="1371012" cy="307777"/>
-          </a:xfrm>
-          <a:prstGeom prst="rect">
-            <a:avLst/>
-          </a:prstGeom>
-          <a:noFill/>
-        </p:spPr>
-        <p:txBody>
-          <a:bodyPr wrap="square" rtlCol="0">
-            <a:spAutoFit/>
-          </a:bodyPr>
-          <a:lstStyle/>
-          <a:p>
-            <a:r>
-              <a:rPr lang="es-ES" sz="1400" dirty="0">
-                <a:solidFill>
-                  <a:schemeClr val="bg1"/>
-                </a:solidFill>
-              </a:rPr>
-              <a:t>Filtrar:</a:t>
-            </a:r>
-          </a:p>
-        </p:txBody>
-      </p:sp>
-      <p:sp>
-        <p:nvSpPr>
-          <p:cNvPr id="12" name="Bocadillo: rectángulo 11">
-            <a:extLst>
-              <a:ext uri="{FF2B5EF4-FFF2-40B4-BE49-F238E27FC236}">
-                <a16:creationId xmlns:a16="http://schemas.microsoft.com/office/drawing/2014/main" id="{EFDA28ED-7AA0-A08E-914B-8BAAD4BB30A6}"/>
-              </a:ext>
-            </a:extLst>
-          </p:cNvPr>
-          <p:cNvSpPr/>
-          <p:nvPr/>
-        </p:nvSpPr>
-        <p:spPr>
-          <a:xfrm>
-            <a:off x="2952341" y="4636769"/>
-            <a:ext cx="1561293" cy="1057456"/>
-          </a:xfrm>
-          <a:prstGeom prst="wedgeRectCallout">
-            <a:avLst/>
-          </a:prstGeom>
-          <a:solidFill>
-            <a:schemeClr val="tx1">
-              <a:lumMod val="85000"/>
-            </a:schemeClr>
-          </a:solidFill>
-          <a:ln w="28575">
-            <a:solidFill>
-              <a:schemeClr val="bg2"/>
-            </a:solidFill>
-          </a:ln>
-        </p:spPr>
-        <p:style>
-          <a:lnRef idx="2">
-            <a:schemeClr val="accent1">
-              <a:shade val="15000"/>
-            </a:schemeClr>
-          </a:lnRef>
-          <a:fillRef idx="1">
-            <a:schemeClr val="accent1"/>
-          </a:fillRef>
-          <a:effectRef idx="0">
-            <a:schemeClr val="accent1"/>
-          </a:effectRef>
-          <a:fontRef idx="minor">
-            <a:schemeClr val="lt1"/>
-          </a:fontRef>
-        </p:style>
-        <p:txBody>
-          <a:bodyPr rtlCol="0" anchor="ctr"/>
-          <a:lstStyle/>
-          <a:p>
-            <a:pPr algn="ctr"/>
-            <a:r>
-              <a:rPr lang="es-ES" sz="1600" dirty="0">
-                <a:solidFill>
-                  <a:srgbClr val="002060"/>
-                </a:solidFill>
-              </a:rPr>
-              <a:t>Acción Realizada</a:t>
+          <p:cNvPr id="2" name="Título 1">
+            <a:extLst>
+              <a:ext uri="{FF2B5EF4-FFF2-40B4-BE49-F238E27FC236}">
+                <a16:creationId xmlns:a16="http://schemas.microsoft.com/office/drawing/2014/main" id="{0151A693-DC1D-3205-634E-FFE8DB6129CD}"/>
+              </a:ext>
+            </a:extLst>
+          </p:cNvPr>
+          <p:cNvSpPr>
+            <a:spLocks noGrp="1"/>
+          </p:cNvSpPr>
+          <p:nvPr>
+            <p:ph type="ctrTitle"/>
+          </p:nvPr>
+        </p:nvSpPr>
+        <p:spPr/>
+        <p:txBody>
+          <a:bodyPr/>
+          <a:lstStyle/>
+          <a:p>
+            <a:r>
+              <a:rPr lang="es-ES" dirty="0"/>
+              <a:t>INVENTARIO</a:t>
+            </a:r>
+            <a:br>
+              <a:rPr lang="es-ES" dirty="0"/>
+            </a:br>
+            <a:r>
+              <a:rPr lang="es-ES" dirty="0"/>
+              <a:t>BOOOM!</a:t>
             </a:r>
           </a:p>
         </p:txBody>
@@ -7817,534 +6511,13 @@
     </p:spTree>
     <p:extLst>
       <p:ext uri="{BB962C8B-B14F-4D97-AF65-F5344CB8AC3E}">
-        <p14:creationId xmlns:p14="http://schemas.microsoft.com/office/powerpoint/2010/main" val="4271888046"/>
+        <p14:creationId xmlns:p14="http://schemas.microsoft.com/office/powerpoint/2010/main" val="452002600"/>
       </p:ext>
     </p:extLst>
   </p:cSld>
   <p:clrMapOvr>
     <a:masterClrMapping/>
   </p:clrMapOvr>
-  <p:timing>
-    <p:tnLst>
-      <p:par>
-        <p:cTn id="1" dur="indefinite" restart="never" nodeType="tmRoot">
-          <p:childTnLst>
-            <p:seq concurrent="1" nextAc="seek">
-              <p:cTn id="2" dur="indefinite" nodeType="mainSeq">
-                <p:childTnLst>
-                  <p:par>
-                    <p:cTn id="3" fill="hold">
-                      <p:stCondLst>
-                        <p:cond delay="indefinite"/>
-                      </p:stCondLst>
-                      <p:childTnLst>
-                        <p:par>
-                          <p:cTn id="4" fill="hold">
-                            <p:stCondLst>
-                              <p:cond delay="0"/>
-                            </p:stCondLst>
-                            <p:childTnLst>
-                              <p:par>
-                                <p:cTn id="5" presetID="1" presetClass="entr" presetSubtype="0" fill="hold" grpId="0" nodeType="clickEffect">
-                                  <p:stCondLst>
-                                    <p:cond delay="0"/>
-                                  </p:stCondLst>
-                                  <p:childTnLst>
-                                    <p:set>
-                                      <p:cBhvr>
-                                        <p:cTn id="6" dur="1" fill="hold">
-                                          <p:stCondLst>
-                                            <p:cond delay="0"/>
-                                          </p:stCondLst>
-                                        </p:cTn>
-                                        <p:tgtEl>
-                                          <p:spTgt spid="28"/>
-                                        </p:tgtEl>
-                                        <p:attrNameLst>
-                                          <p:attrName>style.visibility</p:attrName>
-                                        </p:attrNameLst>
-                                      </p:cBhvr>
-                                      <p:to>
-                                        <p:strVal val="visible"/>
-                                      </p:to>
-                                    </p:set>
-                                  </p:childTnLst>
-                                </p:cTn>
-                              </p:par>
-                            </p:childTnLst>
-                          </p:cTn>
-                        </p:par>
-                      </p:childTnLst>
-                    </p:cTn>
-                  </p:par>
-                </p:childTnLst>
-              </p:cTn>
-              <p:prevCondLst>
-                <p:cond evt="onPrev" delay="0">
-                  <p:tgtEl>
-                    <p:sldTgt/>
-                  </p:tgtEl>
-                </p:cond>
-              </p:prevCondLst>
-              <p:nextCondLst>
-                <p:cond evt="onNext" delay="0">
-                  <p:tgtEl>
-                    <p:sldTgt/>
-                  </p:tgtEl>
-                </p:cond>
-              </p:nextCondLst>
-            </p:seq>
-            <p:seq concurrent="1" nextAc="seek">
-              <p:cTn id="7" restart="whenNotActive" fill="hold" evtFilter="cancelBubble" nodeType="interactiveSeq">
-                <p:stCondLst>
-                  <p:cond evt="onClick" delay="0">
-                    <p:tgtEl>
-                      <p:spTgt spid="24"/>
-                    </p:tgtEl>
-                  </p:cond>
-                </p:stCondLst>
-                <p:endSync evt="end" delay="0">
-                  <p:rtn val="all"/>
-                </p:endSync>
-                <p:childTnLst>
-                  <p:par>
-                    <p:cTn id="8" fill="hold">
-                      <p:stCondLst>
-                        <p:cond delay="0"/>
-                      </p:stCondLst>
-                      <p:childTnLst>
-                        <p:par>
-                          <p:cTn id="9" fill="hold">
-                            <p:stCondLst>
-                              <p:cond delay="0"/>
-                            </p:stCondLst>
-                            <p:childTnLst>
-                              <p:par>
-                                <p:cTn id="10" presetID="1" presetClass="entr" presetSubtype="0" fill="hold" grpId="0" nodeType="clickEffect">
-                                  <p:stCondLst>
-                                    <p:cond delay="0"/>
-                                  </p:stCondLst>
-                                  <p:childTnLst>
-                                    <p:set>
-                                      <p:cBhvr>
-                                        <p:cTn id="11" dur="1" fill="hold">
-                                          <p:stCondLst>
-                                            <p:cond delay="0"/>
-                                          </p:stCondLst>
-                                        </p:cTn>
-                                        <p:tgtEl>
-                                          <p:spTgt spid="27"/>
-                                        </p:tgtEl>
-                                        <p:attrNameLst>
-                                          <p:attrName>style.visibility</p:attrName>
-                                        </p:attrNameLst>
-                                      </p:cBhvr>
-                                      <p:to>
-                                        <p:strVal val="visible"/>
-                                      </p:to>
-                                    </p:set>
-                                  </p:childTnLst>
-                                </p:cTn>
-                              </p:par>
-                            </p:childTnLst>
-                          </p:cTn>
-                        </p:par>
-                      </p:childTnLst>
-                    </p:cTn>
-                  </p:par>
-                </p:childTnLst>
-              </p:cTn>
-              <p:nextCondLst>
-                <p:cond evt="onClick" delay="0">
-                  <p:tgtEl>
-                    <p:spTgt spid="24"/>
-                  </p:tgtEl>
-                </p:cond>
-              </p:nextCondLst>
-            </p:seq>
-            <p:seq concurrent="1" nextAc="seek">
-              <p:cTn id="12" restart="whenNotActive" fill="hold" evtFilter="cancelBubble" nodeType="interactiveSeq">
-                <p:stCondLst>
-                  <p:cond evt="onClick" delay="0">
-                    <p:tgtEl>
-                      <p:spTgt spid="22"/>
-                    </p:tgtEl>
-                  </p:cond>
-                </p:stCondLst>
-                <p:endSync evt="end" delay="0">
-                  <p:rtn val="all"/>
-                </p:endSync>
-                <p:childTnLst>
-                  <p:par>
-                    <p:cTn id="13" fill="hold">
-                      <p:stCondLst>
-                        <p:cond delay="0"/>
-                      </p:stCondLst>
-                      <p:childTnLst>
-                        <p:par>
-                          <p:cTn id="14" fill="hold">
-                            <p:stCondLst>
-                              <p:cond delay="0"/>
-                            </p:stCondLst>
-                            <p:childTnLst>
-                              <p:par>
-                                <p:cTn id="15" presetID="1" presetClass="entr" presetSubtype="0" fill="hold" grpId="0" nodeType="clickEffect">
-                                  <p:stCondLst>
-                                    <p:cond delay="0"/>
-                                  </p:stCondLst>
-                                  <p:childTnLst>
-                                    <p:set>
-                                      <p:cBhvr>
-                                        <p:cTn id="16" dur="1" fill="hold">
-                                          <p:stCondLst>
-                                            <p:cond delay="0"/>
-                                          </p:stCondLst>
-                                        </p:cTn>
-                                        <p:tgtEl>
-                                          <p:spTgt spid="29"/>
-                                        </p:tgtEl>
-                                        <p:attrNameLst>
-                                          <p:attrName>style.visibility</p:attrName>
-                                        </p:attrNameLst>
-                                      </p:cBhvr>
-                                      <p:to>
-                                        <p:strVal val="visible"/>
-                                      </p:to>
-                                    </p:set>
-                                  </p:childTnLst>
-                                </p:cTn>
-                              </p:par>
-                              <p:par>
-                                <p:cTn id="17" presetID="1" presetClass="entr" presetSubtype="0" fill="hold" grpId="0" nodeType="withEffect">
-                                  <p:stCondLst>
-                                    <p:cond delay="0"/>
-                                  </p:stCondLst>
-                                  <p:childTnLst>
-                                    <p:set>
-                                      <p:cBhvr>
-                                        <p:cTn id="18" dur="1" fill="hold">
-                                          <p:stCondLst>
-                                            <p:cond delay="0"/>
-                                          </p:stCondLst>
-                                        </p:cTn>
-                                        <p:tgtEl>
-                                          <p:spTgt spid="23"/>
-                                        </p:tgtEl>
-                                        <p:attrNameLst>
-                                          <p:attrName>style.visibility</p:attrName>
-                                        </p:attrNameLst>
-                                      </p:cBhvr>
-                                      <p:to>
-                                        <p:strVal val="visible"/>
-                                      </p:to>
-                                    </p:set>
-                                  </p:childTnLst>
-                                </p:cTn>
-                              </p:par>
-                              <p:par>
-                                <p:cTn id="19" presetID="1" presetClass="entr" presetSubtype="0" fill="hold" grpId="0" nodeType="withEffect">
-                                  <p:stCondLst>
-                                    <p:cond delay="0"/>
-                                  </p:stCondLst>
-                                  <p:childTnLst>
-                                    <p:set>
-                                      <p:cBhvr>
-                                        <p:cTn id="20" dur="1" fill="hold">
-                                          <p:stCondLst>
-                                            <p:cond delay="0"/>
-                                          </p:stCondLst>
-                                        </p:cTn>
-                                        <p:tgtEl>
-                                          <p:spTgt spid="24"/>
-                                        </p:tgtEl>
-                                        <p:attrNameLst>
-                                          <p:attrName>style.visibility</p:attrName>
-                                        </p:attrNameLst>
-                                      </p:cBhvr>
-                                      <p:to>
-                                        <p:strVal val="visible"/>
-                                      </p:to>
-                                    </p:set>
-                                  </p:childTnLst>
-                                </p:cTn>
-                              </p:par>
-                              <p:par>
-                                <p:cTn id="21" presetID="1" presetClass="entr" presetSubtype="0" fill="hold" nodeType="withEffect">
-                                  <p:stCondLst>
-                                    <p:cond delay="0"/>
-                                  </p:stCondLst>
-                                  <p:childTnLst>
-                                    <p:set>
-                                      <p:cBhvr>
-                                        <p:cTn id="22" dur="1" fill="hold">
-                                          <p:stCondLst>
-                                            <p:cond delay="0"/>
-                                          </p:stCondLst>
-                                        </p:cTn>
-                                        <p:tgtEl>
-                                          <p:spTgt spid="18"/>
-                                        </p:tgtEl>
-                                        <p:attrNameLst>
-                                          <p:attrName>style.visibility</p:attrName>
-                                        </p:attrNameLst>
-                                      </p:cBhvr>
-                                      <p:to>
-                                        <p:strVal val="visible"/>
-                                      </p:to>
-                                    </p:set>
-                                  </p:childTnLst>
-                                </p:cTn>
-                              </p:par>
-                              <p:par>
-                                <p:cTn id="23" presetID="1" presetClass="entr" presetSubtype="0" fill="hold" grpId="0" nodeType="withEffect">
-                                  <p:stCondLst>
-                                    <p:cond delay="0"/>
-                                  </p:stCondLst>
-                                  <p:childTnLst>
-                                    <p:set>
-                                      <p:cBhvr>
-                                        <p:cTn id="24" dur="1" fill="hold">
-                                          <p:stCondLst>
-                                            <p:cond delay="0"/>
-                                          </p:stCondLst>
-                                        </p:cTn>
-                                        <p:tgtEl>
-                                          <p:spTgt spid="25"/>
-                                        </p:tgtEl>
-                                        <p:attrNameLst>
-                                          <p:attrName>style.visibility</p:attrName>
-                                        </p:attrNameLst>
-                                      </p:cBhvr>
-                                      <p:to>
-                                        <p:strVal val="visible"/>
-                                      </p:to>
-                                    </p:set>
-                                  </p:childTnLst>
-                                </p:cTn>
-                              </p:par>
-                              <p:par>
-                                <p:cTn id="25" presetID="1" presetClass="entr" presetSubtype="0" fill="hold" grpId="0" nodeType="withEffect">
-                                  <p:stCondLst>
-                                    <p:cond delay="0"/>
-                                  </p:stCondLst>
-                                  <p:childTnLst>
-                                    <p:set>
-                                      <p:cBhvr>
-                                        <p:cTn id="26" dur="1" fill="hold">
-                                          <p:stCondLst>
-                                            <p:cond delay="0"/>
-                                          </p:stCondLst>
-                                        </p:cTn>
-                                        <p:tgtEl>
-                                          <p:spTgt spid="26"/>
-                                        </p:tgtEl>
-                                        <p:attrNameLst>
-                                          <p:attrName>style.visibility</p:attrName>
-                                        </p:attrNameLst>
-                                      </p:cBhvr>
-                                      <p:to>
-                                        <p:strVal val="visible"/>
-                                      </p:to>
-                                    </p:set>
-                                  </p:childTnLst>
-                                </p:cTn>
-                              </p:par>
-                              <p:par>
-                                <p:cTn id="27" presetID="1" presetClass="entr" presetSubtype="0" fill="hold" grpId="0" nodeType="withEffect">
-                                  <p:stCondLst>
-                                    <p:cond delay="0"/>
-                                  </p:stCondLst>
-                                  <p:childTnLst>
-                                    <p:set>
-                                      <p:cBhvr>
-                                        <p:cTn id="28" dur="1" fill="hold">
-                                          <p:stCondLst>
-                                            <p:cond delay="0"/>
-                                          </p:stCondLst>
-                                        </p:cTn>
-                                        <p:tgtEl>
-                                          <p:spTgt spid="19"/>
-                                        </p:tgtEl>
-                                        <p:attrNameLst>
-                                          <p:attrName>style.visibility</p:attrName>
-                                        </p:attrNameLst>
-                                      </p:cBhvr>
-                                      <p:to>
-                                        <p:strVal val="visible"/>
-                                      </p:to>
-                                    </p:set>
-                                  </p:childTnLst>
-                                </p:cTn>
-                              </p:par>
-                            </p:childTnLst>
-                          </p:cTn>
-                        </p:par>
-                      </p:childTnLst>
-                    </p:cTn>
-                  </p:par>
-                </p:childTnLst>
-              </p:cTn>
-              <p:nextCondLst>
-                <p:cond evt="onClick" delay="0">
-                  <p:tgtEl>
-                    <p:spTgt spid="22"/>
-                  </p:tgtEl>
-                </p:cond>
-              </p:nextCondLst>
-            </p:seq>
-            <p:seq concurrent="1" nextAc="seek">
-              <p:cTn id="29" restart="whenNotActive" fill="hold" evtFilter="cancelBubble" nodeType="interactiveSeq">
-                <p:stCondLst>
-                  <p:cond evt="onClick" delay="0">
-                    <p:tgtEl>
-                      <p:spTgt spid="23"/>
-                    </p:tgtEl>
-                  </p:cond>
-                </p:stCondLst>
-                <p:endSync evt="end" delay="0">
-                  <p:rtn val="all"/>
-                </p:endSync>
-                <p:childTnLst>
-                  <p:par>
-                    <p:cTn id="30" fill="hold">
-                      <p:stCondLst>
-                        <p:cond delay="0"/>
-                      </p:stCondLst>
-                      <p:childTnLst>
-                        <p:par>
-                          <p:cTn id="31" fill="hold">
-                            <p:stCondLst>
-                              <p:cond delay="0"/>
-                            </p:stCondLst>
-                            <p:childTnLst>
-                              <p:par>
-                                <p:cTn id="32" presetID="1" presetClass="entr" presetSubtype="0" fill="hold" grpId="0" nodeType="clickEffect">
-                                  <p:stCondLst>
-                                    <p:cond delay="0"/>
-                                  </p:stCondLst>
-                                  <p:childTnLst>
-                                    <p:set>
-                                      <p:cBhvr>
-                                        <p:cTn id="33" dur="1" fill="hold">
-                                          <p:stCondLst>
-                                            <p:cond delay="0"/>
-                                          </p:stCondLst>
-                                        </p:cTn>
-                                        <p:tgtEl>
-                                          <p:spTgt spid="30"/>
-                                        </p:tgtEl>
-                                        <p:attrNameLst>
-                                          <p:attrName>style.visibility</p:attrName>
-                                        </p:attrNameLst>
-                                      </p:cBhvr>
-                                      <p:to>
-                                        <p:strVal val="visible"/>
-                                      </p:to>
-                                    </p:set>
-                                  </p:childTnLst>
-                                </p:cTn>
-                              </p:par>
-                            </p:childTnLst>
-                          </p:cTn>
-                        </p:par>
-                      </p:childTnLst>
-                    </p:cTn>
-                  </p:par>
-                </p:childTnLst>
-              </p:cTn>
-              <p:nextCondLst>
-                <p:cond evt="onClick" delay="0">
-                  <p:tgtEl>
-                    <p:spTgt spid="23"/>
-                  </p:tgtEl>
-                </p:cond>
-              </p:nextCondLst>
-            </p:seq>
-            <p:seq concurrent="1" nextAc="seek">
-              <p:cTn id="34" restart="whenNotActive" fill="hold" evtFilter="cancelBubble" nodeType="interactiveSeq">
-                <p:stCondLst>
-                  <p:cond evt="onClick" delay="0">
-                    <p:tgtEl>
-                      <p:spTgt spid="25"/>
-                    </p:tgtEl>
-                  </p:cond>
-                </p:stCondLst>
-                <p:endSync evt="end" delay="0">
-                  <p:rtn val="all"/>
-                </p:endSync>
-                <p:childTnLst>
-                  <p:par>
-                    <p:cTn id="35" fill="hold">
-                      <p:stCondLst>
-                        <p:cond delay="0"/>
-                      </p:stCondLst>
-                      <p:childTnLst>
-                        <p:par>
-                          <p:cTn id="36" fill="hold">
-                            <p:stCondLst>
-                              <p:cond delay="0"/>
-                            </p:stCondLst>
-                            <p:childTnLst>
-                              <p:par>
-                                <p:cTn id="37" presetID="1" presetClass="entr" presetSubtype="0" fill="hold" grpId="0" nodeType="clickEffect">
-                                  <p:stCondLst>
-                                    <p:cond delay="0"/>
-                                  </p:stCondLst>
-                                  <p:childTnLst>
-                                    <p:set>
-                                      <p:cBhvr>
-                                        <p:cTn id="38" dur="1" fill="hold">
-                                          <p:stCondLst>
-                                            <p:cond delay="0"/>
-                                          </p:stCondLst>
-                                        </p:cTn>
-                                        <p:tgtEl>
-                                          <p:spTgt spid="12"/>
-                                        </p:tgtEl>
-                                        <p:attrNameLst>
-                                          <p:attrName>style.visibility</p:attrName>
-                                        </p:attrNameLst>
-                                      </p:cBhvr>
-                                      <p:to>
-                                        <p:strVal val="visible"/>
-                                      </p:to>
-                                    </p:set>
-                                  </p:childTnLst>
-                                </p:cTn>
-                              </p:par>
-                            </p:childTnLst>
-                          </p:cTn>
-                        </p:par>
-                      </p:childTnLst>
-                    </p:cTn>
-                  </p:par>
-                </p:childTnLst>
-              </p:cTn>
-              <p:nextCondLst>
-                <p:cond evt="onClick" delay="0">
-                  <p:tgtEl>
-                    <p:spTgt spid="25"/>
-                  </p:tgtEl>
-                </p:cond>
-              </p:nextCondLst>
-            </p:seq>
-          </p:childTnLst>
-        </p:cTn>
-      </p:par>
-    </p:tnLst>
-    <p:bldLst>
-      <p:bldP spid="23" grpId="0" animBg="1"/>
-      <p:bldP spid="24" grpId="0" animBg="1"/>
-      <p:bldP spid="25" grpId="0" animBg="1"/>
-      <p:bldP spid="26" grpId="0" animBg="1"/>
-      <p:bldP spid="27" grpId="0" animBg="1"/>
-      <p:bldP spid="28" grpId="0" animBg="1"/>
-      <p:bldP spid="29" grpId="0" animBg="1"/>
-      <p:bldP spid="30" grpId="0" animBg="1"/>
-      <p:bldP spid="19" grpId="0"/>
-      <p:bldP spid="12" grpId="0" animBg="1"/>
-    </p:bldLst>
-  </p:timing>
 </p:sld>
 </file>
 
